--- a/Apresentação1.pptx
+++ b/Apresentação1.pptx
@@ -104,6 +104,11 @@
       </a:defRPr>
     </a:lvl9pPr>
   </p:defaultTextStyle>
+  <p:extLst>
+    <p:ext uri="{EFAFB233-063F-42B5-8137-9DF3F51BA10A}">
+      <p15:sldGuideLst xmlns:p15="http://schemas.microsoft.com/office/powerpoint/2012/main"/>
+    </p:ext>
+  </p:extLst>
 </p:presentation>
 </file>
 
@@ -149,10 +154,9 @@
           </a:lstStyle>
           <a:p>
             <a:r>
-              <a:rPr lang="pt-BR" smtClean="0"/>
+              <a:rPr lang="pt-BR"/>
               <a:t>Clique para editar o título mestre</a:t>
             </a:r>
-            <a:endParaRPr lang="pt-BR"/>
           </a:p>
         </p:txBody>
       </p:sp>
@@ -214,10 +218,9 @@
           </a:lstStyle>
           <a:p>
             <a:r>
-              <a:rPr lang="pt-BR" smtClean="0"/>
+              <a:rPr lang="pt-BR"/>
               <a:t>Clique para editar o estilo do subtítulo Mestre</a:t>
             </a:r>
-            <a:endParaRPr lang="pt-BR"/>
           </a:p>
         </p:txBody>
       </p:sp>
@@ -238,7 +241,7 @@
           <a:p>
             <a:fld id="{12FC2063-D415-4033-A736-D4A7E5F77491}" type="datetimeFigureOut">
               <a:rPr lang="pt-BR" smtClean="0"/>
-              <a:t>07/10/2019</a:t>
+              <a:t>08/10/2019</a:t>
             </a:fld>
             <a:endParaRPr lang="pt-BR"/>
           </a:p>
@@ -332,10 +335,9 @@
           <a:lstStyle/>
           <a:p>
             <a:r>
-              <a:rPr lang="pt-BR" smtClean="0"/>
+              <a:rPr lang="pt-BR"/>
               <a:t>Clique para editar o título mestre</a:t>
             </a:r>
-            <a:endParaRPr lang="pt-BR"/>
           </a:p>
         </p:txBody>
       </p:sp>
@@ -356,38 +358,37 @@
           <a:p>
             <a:pPr lvl="0"/>
             <a:r>
-              <a:rPr lang="pt-BR" smtClean="0"/>
+              <a:rPr lang="pt-BR"/>
               <a:t>Editar estilos de texto Mestre</a:t>
             </a:r>
           </a:p>
           <a:p>
             <a:pPr lvl="1"/>
             <a:r>
-              <a:rPr lang="pt-BR" smtClean="0"/>
+              <a:rPr lang="pt-BR"/>
               <a:t>Segundo nível</a:t>
             </a:r>
           </a:p>
           <a:p>
             <a:pPr lvl="2"/>
             <a:r>
-              <a:rPr lang="pt-BR" smtClean="0"/>
+              <a:rPr lang="pt-BR"/>
               <a:t>Terceiro nível</a:t>
             </a:r>
           </a:p>
           <a:p>
             <a:pPr lvl="3"/>
             <a:r>
-              <a:rPr lang="pt-BR" smtClean="0"/>
+              <a:rPr lang="pt-BR"/>
               <a:t>Quarto nível</a:t>
             </a:r>
           </a:p>
           <a:p>
             <a:pPr lvl="4"/>
             <a:r>
-              <a:rPr lang="pt-BR" smtClean="0"/>
+              <a:rPr lang="pt-BR"/>
               <a:t>Quinto nível</a:t>
             </a:r>
-            <a:endParaRPr lang="pt-BR"/>
           </a:p>
         </p:txBody>
       </p:sp>
@@ -408,7 +409,7 @@
           <a:p>
             <a:fld id="{12FC2063-D415-4033-A736-D4A7E5F77491}" type="datetimeFigureOut">
               <a:rPr lang="pt-BR" smtClean="0"/>
-              <a:t>07/10/2019</a:t>
+              <a:t>08/10/2019</a:t>
             </a:fld>
             <a:endParaRPr lang="pt-BR"/>
           </a:p>
@@ -507,10 +508,9 @@
           <a:lstStyle/>
           <a:p>
             <a:r>
-              <a:rPr lang="pt-BR" smtClean="0"/>
+              <a:rPr lang="pt-BR"/>
               <a:t>Clique para editar o título mestre</a:t>
             </a:r>
-            <a:endParaRPr lang="pt-BR"/>
           </a:p>
         </p:txBody>
       </p:sp>
@@ -536,38 +536,37 @@
           <a:p>
             <a:pPr lvl="0"/>
             <a:r>
-              <a:rPr lang="pt-BR" smtClean="0"/>
+              <a:rPr lang="pt-BR"/>
               <a:t>Editar estilos de texto Mestre</a:t>
             </a:r>
           </a:p>
           <a:p>
             <a:pPr lvl="1"/>
             <a:r>
-              <a:rPr lang="pt-BR" smtClean="0"/>
+              <a:rPr lang="pt-BR"/>
               <a:t>Segundo nível</a:t>
             </a:r>
           </a:p>
           <a:p>
             <a:pPr lvl="2"/>
             <a:r>
-              <a:rPr lang="pt-BR" smtClean="0"/>
+              <a:rPr lang="pt-BR"/>
               <a:t>Terceiro nível</a:t>
             </a:r>
           </a:p>
           <a:p>
             <a:pPr lvl="3"/>
             <a:r>
-              <a:rPr lang="pt-BR" smtClean="0"/>
+              <a:rPr lang="pt-BR"/>
               <a:t>Quarto nível</a:t>
             </a:r>
           </a:p>
           <a:p>
             <a:pPr lvl="4"/>
             <a:r>
-              <a:rPr lang="pt-BR" smtClean="0"/>
+              <a:rPr lang="pt-BR"/>
               <a:t>Quinto nível</a:t>
             </a:r>
-            <a:endParaRPr lang="pt-BR"/>
           </a:p>
         </p:txBody>
       </p:sp>
@@ -588,7 +587,7 @@
           <a:p>
             <a:fld id="{12FC2063-D415-4033-A736-D4A7E5F77491}" type="datetimeFigureOut">
               <a:rPr lang="pt-BR" smtClean="0"/>
-              <a:t>07/10/2019</a:t>
+              <a:t>08/10/2019</a:t>
             </a:fld>
             <a:endParaRPr lang="pt-BR"/>
           </a:p>
@@ -682,10 +681,9 @@
           <a:lstStyle/>
           <a:p>
             <a:r>
-              <a:rPr lang="pt-BR" smtClean="0"/>
+              <a:rPr lang="pt-BR"/>
               <a:t>Clique para editar o título mestre</a:t>
             </a:r>
-            <a:endParaRPr lang="pt-BR"/>
           </a:p>
         </p:txBody>
       </p:sp>
@@ -706,38 +704,37 @@
           <a:p>
             <a:pPr lvl="0"/>
             <a:r>
-              <a:rPr lang="pt-BR" smtClean="0"/>
+              <a:rPr lang="pt-BR"/>
               <a:t>Editar estilos de texto Mestre</a:t>
             </a:r>
           </a:p>
           <a:p>
             <a:pPr lvl="1"/>
             <a:r>
-              <a:rPr lang="pt-BR" smtClean="0"/>
+              <a:rPr lang="pt-BR"/>
               <a:t>Segundo nível</a:t>
             </a:r>
           </a:p>
           <a:p>
             <a:pPr lvl="2"/>
             <a:r>
-              <a:rPr lang="pt-BR" smtClean="0"/>
+              <a:rPr lang="pt-BR"/>
               <a:t>Terceiro nível</a:t>
             </a:r>
           </a:p>
           <a:p>
             <a:pPr lvl="3"/>
             <a:r>
-              <a:rPr lang="pt-BR" smtClean="0"/>
+              <a:rPr lang="pt-BR"/>
               <a:t>Quarto nível</a:t>
             </a:r>
           </a:p>
           <a:p>
             <a:pPr lvl="4"/>
             <a:r>
-              <a:rPr lang="pt-BR" smtClean="0"/>
+              <a:rPr lang="pt-BR"/>
               <a:t>Quinto nível</a:t>
             </a:r>
-            <a:endParaRPr lang="pt-BR"/>
           </a:p>
         </p:txBody>
       </p:sp>
@@ -758,7 +755,7 @@
           <a:p>
             <a:fld id="{12FC2063-D415-4033-A736-D4A7E5F77491}" type="datetimeFigureOut">
               <a:rPr lang="pt-BR" smtClean="0"/>
-              <a:t>07/10/2019</a:t>
+              <a:t>08/10/2019</a:t>
             </a:fld>
             <a:endParaRPr lang="pt-BR"/>
           </a:p>
@@ -861,10 +858,9 @@
           </a:lstStyle>
           <a:p>
             <a:r>
-              <a:rPr lang="pt-BR" smtClean="0"/>
+              <a:rPr lang="pt-BR"/>
               <a:t>Clique para editar o título mestre</a:t>
             </a:r>
-            <a:endParaRPr lang="pt-BR"/>
           </a:p>
         </p:txBody>
       </p:sp>
@@ -981,7 +977,7 @@
           <a:p>
             <a:pPr lvl="0"/>
             <a:r>
-              <a:rPr lang="pt-BR" smtClean="0"/>
+              <a:rPr lang="pt-BR"/>
               <a:t>Editar estilos de texto Mestre</a:t>
             </a:r>
           </a:p>
@@ -1004,7 +1000,7 @@
           <a:p>
             <a:fld id="{12FC2063-D415-4033-A736-D4A7E5F77491}" type="datetimeFigureOut">
               <a:rPr lang="pt-BR" smtClean="0"/>
-              <a:t>07/10/2019</a:t>
+              <a:t>08/10/2019</a:t>
             </a:fld>
             <a:endParaRPr lang="pt-BR"/>
           </a:p>
@@ -1098,10 +1094,9 @@
           <a:lstStyle/>
           <a:p>
             <a:r>
-              <a:rPr lang="pt-BR" smtClean="0"/>
+              <a:rPr lang="pt-BR"/>
               <a:t>Clique para editar o título mestre</a:t>
             </a:r>
-            <a:endParaRPr lang="pt-BR"/>
           </a:p>
         </p:txBody>
       </p:sp>
@@ -1127,38 +1122,37 @@
           <a:p>
             <a:pPr lvl="0"/>
             <a:r>
-              <a:rPr lang="pt-BR" smtClean="0"/>
+              <a:rPr lang="pt-BR"/>
               <a:t>Editar estilos de texto Mestre</a:t>
             </a:r>
           </a:p>
           <a:p>
             <a:pPr lvl="1"/>
             <a:r>
-              <a:rPr lang="pt-BR" smtClean="0"/>
+              <a:rPr lang="pt-BR"/>
               <a:t>Segundo nível</a:t>
             </a:r>
           </a:p>
           <a:p>
             <a:pPr lvl="2"/>
             <a:r>
-              <a:rPr lang="pt-BR" smtClean="0"/>
+              <a:rPr lang="pt-BR"/>
               <a:t>Terceiro nível</a:t>
             </a:r>
           </a:p>
           <a:p>
             <a:pPr lvl="3"/>
             <a:r>
-              <a:rPr lang="pt-BR" smtClean="0"/>
+              <a:rPr lang="pt-BR"/>
               <a:t>Quarto nível</a:t>
             </a:r>
           </a:p>
           <a:p>
             <a:pPr lvl="4"/>
             <a:r>
-              <a:rPr lang="pt-BR" smtClean="0"/>
+              <a:rPr lang="pt-BR"/>
               <a:t>Quinto nível</a:t>
             </a:r>
-            <a:endParaRPr lang="pt-BR"/>
           </a:p>
         </p:txBody>
       </p:sp>
@@ -1184,38 +1178,37 @@
           <a:p>
             <a:pPr lvl="0"/>
             <a:r>
-              <a:rPr lang="pt-BR" smtClean="0"/>
+              <a:rPr lang="pt-BR"/>
               <a:t>Editar estilos de texto Mestre</a:t>
             </a:r>
           </a:p>
           <a:p>
             <a:pPr lvl="1"/>
             <a:r>
-              <a:rPr lang="pt-BR" smtClean="0"/>
+              <a:rPr lang="pt-BR"/>
               <a:t>Segundo nível</a:t>
             </a:r>
           </a:p>
           <a:p>
             <a:pPr lvl="2"/>
             <a:r>
-              <a:rPr lang="pt-BR" smtClean="0"/>
+              <a:rPr lang="pt-BR"/>
               <a:t>Terceiro nível</a:t>
             </a:r>
           </a:p>
           <a:p>
             <a:pPr lvl="3"/>
             <a:r>
-              <a:rPr lang="pt-BR" smtClean="0"/>
+              <a:rPr lang="pt-BR"/>
               <a:t>Quarto nível</a:t>
             </a:r>
           </a:p>
           <a:p>
             <a:pPr lvl="4"/>
             <a:r>
-              <a:rPr lang="pt-BR" smtClean="0"/>
+              <a:rPr lang="pt-BR"/>
               <a:t>Quinto nível</a:t>
             </a:r>
-            <a:endParaRPr lang="pt-BR"/>
           </a:p>
         </p:txBody>
       </p:sp>
@@ -1236,7 +1229,7 @@
           <a:p>
             <a:fld id="{12FC2063-D415-4033-A736-D4A7E5F77491}" type="datetimeFigureOut">
               <a:rPr lang="pt-BR" smtClean="0"/>
-              <a:t>07/10/2019</a:t>
+              <a:t>08/10/2019</a:t>
             </a:fld>
             <a:endParaRPr lang="pt-BR"/>
           </a:p>
@@ -1335,10 +1328,9 @@
           <a:lstStyle/>
           <a:p>
             <a:r>
-              <a:rPr lang="pt-BR" smtClean="0"/>
+              <a:rPr lang="pt-BR"/>
               <a:t>Clique para editar o título mestre</a:t>
             </a:r>
-            <a:endParaRPr lang="pt-BR"/>
           </a:p>
         </p:txBody>
       </p:sp>
@@ -1401,7 +1393,7 @@
           <a:p>
             <a:pPr lvl="0"/>
             <a:r>
-              <a:rPr lang="pt-BR" smtClean="0"/>
+              <a:rPr lang="pt-BR"/>
               <a:t>Editar estilos de texto Mestre</a:t>
             </a:r>
           </a:p>
@@ -1429,38 +1421,37 @@
           <a:p>
             <a:pPr lvl="0"/>
             <a:r>
-              <a:rPr lang="pt-BR" smtClean="0"/>
+              <a:rPr lang="pt-BR"/>
               <a:t>Editar estilos de texto Mestre</a:t>
             </a:r>
           </a:p>
           <a:p>
             <a:pPr lvl="1"/>
             <a:r>
-              <a:rPr lang="pt-BR" smtClean="0"/>
+              <a:rPr lang="pt-BR"/>
               <a:t>Segundo nível</a:t>
             </a:r>
           </a:p>
           <a:p>
             <a:pPr lvl="2"/>
             <a:r>
-              <a:rPr lang="pt-BR" smtClean="0"/>
+              <a:rPr lang="pt-BR"/>
               <a:t>Terceiro nível</a:t>
             </a:r>
           </a:p>
           <a:p>
             <a:pPr lvl="3"/>
             <a:r>
-              <a:rPr lang="pt-BR" smtClean="0"/>
+              <a:rPr lang="pt-BR"/>
               <a:t>Quarto nível</a:t>
             </a:r>
           </a:p>
           <a:p>
             <a:pPr lvl="4"/>
             <a:r>
-              <a:rPr lang="pt-BR" smtClean="0"/>
+              <a:rPr lang="pt-BR"/>
               <a:t>Quinto nível</a:t>
             </a:r>
-            <a:endParaRPr lang="pt-BR"/>
           </a:p>
         </p:txBody>
       </p:sp>
@@ -1523,7 +1514,7 @@
           <a:p>
             <a:pPr lvl="0"/>
             <a:r>
-              <a:rPr lang="pt-BR" smtClean="0"/>
+              <a:rPr lang="pt-BR"/>
               <a:t>Editar estilos de texto Mestre</a:t>
             </a:r>
           </a:p>
@@ -1551,38 +1542,37 @@
           <a:p>
             <a:pPr lvl="0"/>
             <a:r>
-              <a:rPr lang="pt-BR" smtClean="0"/>
+              <a:rPr lang="pt-BR"/>
               <a:t>Editar estilos de texto Mestre</a:t>
             </a:r>
           </a:p>
           <a:p>
             <a:pPr lvl="1"/>
             <a:r>
-              <a:rPr lang="pt-BR" smtClean="0"/>
+              <a:rPr lang="pt-BR"/>
               <a:t>Segundo nível</a:t>
             </a:r>
           </a:p>
           <a:p>
             <a:pPr lvl="2"/>
             <a:r>
-              <a:rPr lang="pt-BR" smtClean="0"/>
+              <a:rPr lang="pt-BR"/>
               <a:t>Terceiro nível</a:t>
             </a:r>
           </a:p>
           <a:p>
             <a:pPr lvl="3"/>
             <a:r>
-              <a:rPr lang="pt-BR" smtClean="0"/>
+              <a:rPr lang="pt-BR"/>
               <a:t>Quarto nível</a:t>
             </a:r>
           </a:p>
           <a:p>
             <a:pPr lvl="4"/>
             <a:r>
-              <a:rPr lang="pt-BR" smtClean="0"/>
+              <a:rPr lang="pt-BR"/>
               <a:t>Quinto nível</a:t>
             </a:r>
-            <a:endParaRPr lang="pt-BR"/>
           </a:p>
         </p:txBody>
       </p:sp>
@@ -1603,7 +1593,7 @@
           <a:p>
             <a:fld id="{12FC2063-D415-4033-A736-D4A7E5F77491}" type="datetimeFigureOut">
               <a:rPr lang="pt-BR" smtClean="0"/>
-              <a:t>07/10/2019</a:t>
+              <a:t>08/10/2019</a:t>
             </a:fld>
             <a:endParaRPr lang="pt-BR"/>
           </a:p>
@@ -1697,10 +1687,9 @@
           <a:lstStyle/>
           <a:p>
             <a:r>
-              <a:rPr lang="pt-BR" smtClean="0"/>
+              <a:rPr lang="pt-BR"/>
               <a:t>Clique para editar o título mestre</a:t>
             </a:r>
-            <a:endParaRPr lang="pt-BR"/>
           </a:p>
         </p:txBody>
       </p:sp>
@@ -1721,7 +1710,7 @@
           <a:p>
             <a:fld id="{12FC2063-D415-4033-A736-D4A7E5F77491}" type="datetimeFigureOut">
               <a:rPr lang="pt-BR" smtClean="0"/>
-              <a:t>07/10/2019</a:t>
+              <a:t>08/10/2019</a:t>
             </a:fld>
             <a:endParaRPr lang="pt-BR"/>
           </a:p>
@@ -1816,7 +1805,7 @@
           <a:p>
             <a:fld id="{12FC2063-D415-4033-A736-D4A7E5F77491}" type="datetimeFigureOut">
               <a:rPr lang="pt-BR" smtClean="0"/>
-              <a:t>07/10/2019</a:t>
+              <a:t>08/10/2019</a:t>
             </a:fld>
             <a:endParaRPr lang="pt-BR"/>
           </a:p>
@@ -1919,10 +1908,9 @@
           </a:lstStyle>
           <a:p>
             <a:r>
-              <a:rPr lang="pt-BR" smtClean="0"/>
+              <a:rPr lang="pt-BR"/>
               <a:t>Clique para editar o título mestre</a:t>
             </a:r>
-            <a:endParaRPr lang="pt-BR"/>
           </a:p>
         </p:txBody>
       </p:sp>
@@ -1976,38 +1964,37 @@
           <a:p>
             <a:pPr lvl="0"/>
             <a:r>
-              <a:rPr lang="pt-BR" smtClean="0"/>
+              <a:rPr lang="pt-BR"/>
               <a:t>Editar estilos de texto Mestre</a:t>
             </a:r>
           </a:p>
           <a:p>
             <a:pPr lvl="1"/>
             <a:r>
-              <a:rPr lang="pt-BR" smtClean="0"/>
+              <a:rPr lang="pt-BR"/>
               <a:t>Segundo nível</a:t>
             </a:r>
           </a:p>
           <a:p>
             <a:pPr lvl="2"/>
             <a:r>
-              <a:rPr lang="pt-BR" smtClean="0"/>
+              <a:rPr lang="pt-BR"/>
               <a:t>Terceiro nível</a:t>
             </a:r>
           </a:p>
           <a:p>
             <a:pPr lvl="3"/>
             <a:r>
-              <a:rPr lang="pt-BR" smtClean="0"/>
+              <a:rPr lang="pt-BR"/>
               <a:t>Quarto nível</a:t>
             </a:r>
           </a:p>
           <a:p>
             <a:pPr lvl="4"/>
             <a:r>
-              <a:rPr lang="pt-BR" smtClean="0"/>
+              <a:rPr lang="pt-BR"/>
               <a:t>Quinto nível</a:t>
             </a:r>
-            <a:endParaRPr lang="pt-BR"/>
           </a:p>
         </p:txBody>
       </p:sp>
@@ -2070,7 +2057,7 @@
           <a:p>
             <a:pPr lvl="0"/>
             <a:r>
-              <a:rPr lang="pt-BR" smtClean="0"/>
+              <a:rPr lang="pt-BR"/>
               <a:t>Editar estilos de texto Mestre</a:t>
             </a:r>
           </a:p>
@@ -2093,7 +2080,7 @@
           <a:p>
             <a:fld id="{12FC2063-D415-4033-A736-D4A7E5F77491}" type="datetimeFigureOut">
               <a:rPr lang="pt-BR" smtClean="0"/>
-              <a:t>07/10/2019</a:t>
+              <a:t>08/10/2019</a:t>
             </a:fld>
             <a:endParaRPr lang="pt-BR"/>
           </a:p>
@@ -2196,10 +2183,9 @@
           </a:lstStyle>
           <a:p>
             <a:r>
-              <a:rPr lang="pt-BR" smtClean="0"/>
+              <a:rPr lang="pt-BR"/>
               <a:t>Clique para editar o título mestre</a:t>
             </a:r>
-            <a:endParaRPr lang="pt-BR"/>
           </a:p>
         </p:txBody>
       </p:sp>
@@ -2323,7 +2309,7 @@
           <a:p>
             <a:pPr lvl="0"/>
             <a:r>
-              <a:rPr lang="pt-BR" smtClean="0"/>
+              <a:rPr lang="pt-BR"/>
               <a:t>Editar estilos de texto Mestre</a:t>
             </a:r>
           </a:p>
@@ -2346,7 +2332,7 @@
           <a:p>
             <a:fld id="{12FC2063-D415-4033-A736-D4A7E5F77491}" type="datetimeFigureOut">
               <a:rPr lang="pt-BR" smtClean="0"/>
-              <a:t>07/10/2019</a:t>
+              <a:t>08/10/2019</a:t>
             </a:fld>
             <a:endParaRPr lang="pt-BR"/>
           </a:p>
@@ -2455,10 +2441,9 @@
           <a:lstStyle/>
           <a:p>
             <a:r>
-              <a:rPr lang="pt-BR" smtClean="0"/>
+              <a:rPr lang="pt-BR"/>
               <a:t>Clique para editar o título mestre</a:t>
             </a:r>
-            <a:endParaRPr lang="pt-BR"/>
           </a:p>
         </p:txBody>
       </p:sp>
@@ -2489,38 +2474,37 @@
           <a:p>
             <a:pPr lvl="0"/>
             <a:r>
-              <a:rPr lang="pt-BR" smtClean="0"/>
+              <a:rPr lang="pt-BR"/>
               <a:t>Editar estilos de texto Mestre</a:t>
             </a:r>
           </a:p>
           <a:p>
             <a:pPr lvl="1"/>
             <a:r>
-              <a:rPr lang="pt-BR" smtClean="0"/>
+              <a:rPr lang="pt-BR"/>
               <a:t>Segundo nível</a:t>
             </a:r>
           </a:p>
           <a:p>
             <a:pPr lvl="2"/>
             <a:r>
-              <a:rPr lang="pt-BR" smtClean="0"/>
+              <a:rPr lang="pt-BR"/>
               <a:t>Terceiro nível</a:t>
             </a:r>
           </a:p>
           <a:p>
             <a:pPr lvl="3"/>
             <a:r>
-              <a:rPr lang="pt-BR" smtClean="0"/>
+              <a:rPr lang="pt-BR"/>
               <a:t>Quarto nível</a:t>
             </a:r>
           </a:p>
           <a:p>
             <a:pPr lvl="4"/>
             <a:r>
-              <a:rPr lang="pt-BR" smtClean="0"/>
+              <a:rPr lang="pt-BR"/>
               <a:t>Quinto nível</a:t>
             </a:r>
-            <a:endParaRPr lang="pt-BR"/>
           </a:p>
         </p:txBody>
       </p:sp>
@@ -2559,7 +2543,7 @@
           <a:p>
             <a:fld id="{12FC2063-D415-4033-A736-D4A7E5F77491}" type="datetimeFigureOut">
               <a:rPr lang="pt-BR" smtClean="0"/>
-              <a:t>07/10/2019</a:t>
+              <a:t>08/10/2019</a:t>
             </a:fld>
             <a:endParaRPr lang="pt-BR"/>
           </a:p>
@@ -2964,650 +2948,212 @@
           <a:chExt cx="0" cy="0"/>
         </a:xfrm>
       </p:grpSpPr>
+      <p:cxnSp>
+        <p:nvCxnSpPr>
+          <p:cNvPr id="5" name="Conector de Seta Reta 4"/>
+          <p:cNvCxnSpPr/>
+          <p:nvPr/>
+        </p:nvCxnSpPr>
+        <p:spPr>
+          <a:xfrm>
+            <a:off x="2651760" y="1383906"/>
+            <a:ext cx="705395" cy="0"/>
+          </a:xfrm>
+          <a:prstGeom prst="straightConnector1">
+            <a:avLst/>
+          </a:prstGeom>
+          <a:ln>
+            <a:tailEnd type="triangle"/>
+          </a:ln>
+        </p:spPr>
+        <p:style>
+          <a:lnRef idx="3">
+            <a:schemeClr val="dk1"/>
+          </a:lnRef>
+          <a:fillRef idx="0">
+            <a:schemeClr val="dk1"/>
+          </a:fillRef>
+          <a:effectRef idx="2">
+            <a:schemeClr val="dk1"/>
+          </a:effectRef>
+          <a:fontRef idx="minor">
+            <a:schemeClr val="tx1"/>
+          </a:fontRef>
+        </p:style>
+      </p:cxnSp>
+      <p:sp>
+        <p:nvSpPr>
+          <p:cNvPr id="7" name="Retângulo 6"/>
+          <p:cNvSpPr/>
+          <p:nvPr/>
+        </p:nvSpPr>
+        <p:spPr>
+          <a:xfrm>
+            <a:off x="3357155" y="1174900"/>
+            <a:ext cx="757645" cy="418012"/>
+          </a:xfrm>
+          <a:prstGeom prst="rect">
+            <a:avLst/>
+          </a:prstGeom>
+        </p:spPr>
+        <p:style>
+          <a:lnRef idx="2">
+            <a:schemeClr val="dk1"/>
+          </a:lnRef>
+          <a:fillRef idx="1">
+            <a:schemeClr val="lt1"/>
+          </a:fillRef>
+          <a:effectRef idx="0">
+            <a:schemeClr val="dk1"/>
+          </a:effectRef>
+          <a:fontRef idx="minor">
+            <a:schemeClr val="dk1"/>
+          </a:fontRef>
+        </p:style>
+        <p:txBody>
+          <a:bodyPr rtlCol="0" anchor="ctr"/>
+          <a:lstStyle/>
+          <a:p>
+            <a:pPr algn="ctr"/>
+            <a:endParaRPr lang="pt-BR"/>
+          </a:p>
+        </p:txBody>
+      </p:sp>
+      <p:sp>
+        <p:nvSpPr>
+          <p:cNvPr id="8" name="Retângulo 7"/>
+          <p:cNvSpPr/>
+          <p:nvPr/>
+        </p:nvSpPr>
+        <p:spPr>
+          <a:xfrm>
+            <a:off x="3540035" y="1174900"/>
+            <a:ext cx="391885" cy="418012"/>
+          </a:xfrm>
+          <a:prstGeom prst="rect">
+            <a:avLst/>
+          </a:prstGeom>
+        </p:spPr>
+        <p:style>
+          <a:lnRef idx="2">
+            <a:schemeClr val="dk1"/>
+          </a:lnRef>
+          <a:fillRef idx="1">
+            <a:schemeClr val="lt1"/>
+          </a:fillRef>
+          <a:effectRef idx="0">
+            <a:schemeClr val="dk1"/>
+          </a:effectRef>
+          <a:fontRef idx="minor">
+            <a:schemeClr val="dk1"/>
+          </a:fontRef>
+        </p:style>
+        <p:txBody>
+          <a:bodyPr rtlCol="0" anchor="ctr"/>
+          <a:lstStyle/>
+          <a:p>
+            <a:pPr algn="ctr"/>
+            <a:endParaRPr lang="pt-BR"/>
+          </a:p>
+        </p:txBody>
+      </p:sp>
+      <p:cxnSp>
+        <p:nvCxnSpPr>
+          <p:cNvPr id="10" name="Conector reto 9"/>
+          <p:cNvCxnSpPr>
+            <a:stCxn id="8" idx="0"/>
+            <a:endCxn id="8" idx="2"/>
+          </p:cNvCxnSpPr>
+          <p:nvPr/>
+        </p:nvCxnSpPr>
+        <p:spPr>
+          <a:xfrm>
+            <a:off x="3735978" y="1174900"/>
+            <a:ext cx="0" cy="418012"/>
+          </a:xfrm>
+          <a:prstGeom prst="line">
+            <a:avLst/>
+          </a:prstGeom>
+        </p:spPr>
+        <p:style>
+          <a:lnRef idx="3">
+            <a:schemeClr val="dk1"/>
+          </a:lnRef>
+          <a:fillRef idx="0">
+            <a:schemeClr val="dk1"/>
+          </a:fillRef>
+          <a:effectRef idx="2">
+            <a:schemeClr val="dk1"/>
+          </a:effectRef>
+          <a:fontRef idx="minor">
+            <a:schemeClr val="tx1"/>
+          </a:fontRef>
+        </p:style>
+      </p:cxnSp>
+      <p:sp>
+        <p:nvSpPr>
+          <p:cNvPr id="11" name="Elipse 10"/>
+          <p:cNvSpPr/>
+          <p:nvPr/>
+        </p:nvSpPr>
+        <p:spPr>
+          <a:xfrm>
+            <a:off x="4114800" y="1109587"/>
+            <a:ext cx="548640" cy="535577"/>
+          </a:xfrm>
+          <a:prstGeom prst="ellipse">
+            <a:avLst/>
+          </a:prstGeom>
+        </p:spPr>
+        <p:style>
+          <a:lnRef idx="2">
+            <a:schemeClr val="dk1"/>
+          </a:lnRef>
+          <a:fillRef idx="1">
+            <a:schemeClr val="lt1"/>
+          </a:fillRef>
+          <a:effectRef idx="0">
+            <a:schemeClr val="dk1"/>
+          </a:effectRef>
+          <a:fontRef idx="minor">
+            <a:schemeClr val="dk1"/>
+          </a:fontRef>
+        </p:style>
+        <p:txBody>
+          <a:bodyPr rtlCol="0" anchor="ctr"/>
+          <a:lstStyle/>
+          <a:p>
+            <a:pPr algn="ctr"/>
+            <a:endParaRPr lang="pt-BR"/>
+          </a:p>
+        </p:txBody>
+      </p:sp>
       <p:grpSp>
         <p:nvGrpSpPr>
-          <p:cNvPr id="45" name="Agrupar 44"/>
+          <p:cNvPr id="13" name="Agrupar 12"/>
           <p:cNvGrpSpPr/>
           <p:nvPr/>
         </p:nvGrpSpPr>
         <p:grpSpPr>
           <a:xfrm>
-            <a:off x="2588623" y="313203"/>
-            <a:ext cx="6416042" cy="1554786"/>
-            <a:chOff x="1426028" y="835717"/>
-            <a:chExt cx="6416042" cy="1554786"/>
+            <a:off x="4824550" y="1116116"/>
+            <a:ext cx="2011680" cy="535577"/>
+            <a:chOff x="2978331" y="1645921"/>
+            <a:chExt cx="2011680" cy="535577"/>
           </a:xfrm>
         </p:grpSpPr>
-        <p:grpSp>
-          <p:nvGrpSpPr>
-            <p:cNvPr id="12" name="Agrupar 11"/>
-            <p:cNvGrpSpPr/>
-            <p:nvPr/>
-          </p:nvGrpSpPr>
-          <p:grpSpPr>
-            <a:xfrm>
-              <a:off x="1489165" y="1685110"/>
-              <a:ext cx="2011680" cy="535577"/>
-              <a:chOff x="2978331" y="1645921"/>
-              <a:chExt cx="2011680" cy="535577"/>
-            </a:xfrm>
-          </p:grpSpPr>
-          <p:cxnSp>
-            <p:nvCxnSpPr>
-              <p:cNvPr id="5" name="Conector de Seta Reta 4"/>
-              <p:cNvCxnSpPr/>
-              <p:nvPr/>
-            </p:nvCxnSpPr>
-            <p:spPr>
-              <a:xfrm>
-                <a:off x="2978331" y="1920240"/>
-                <a:ext cx="705395" cy="0"/>
-              </a:xfrm>
-              <a:prstGeom prst="straightConnector1">
-                <a:avLst/>
-              </a:prstGeom>
-              <a:ln>
-                <a:tailEnd type="triangle"/>
-              </a:ln>
-            </p:spPr>
-            <p:style>
-              <a:lnRef idx="3">
-                <a:schemeClr val="dk1"/>
-              </a:lnRef>
-              <a:fillRef idx="0">
-                <a:schemeClr val="dk1"/>
-              </a:fillRef>
-              <a:effectRef idx="2">
-                <a:schemeClr val="dk1"/>
-              </a:effectRef>
-              <a:fontRef idx="minor">
-                <a:schemeClr val="tx1"/>
-              </a:fontRef>
-            </p:style>
-          </p:cxnSp>
-          <p:sp>
-            <p:nvSpPr>
-              <p:cNvPr id="7" name="Retângulo 6"/>
-              <p:cNvSpPr/>
-              <p:nvPr/>
-            </p:nvSpPr>
-            <p:spPr>
-              <a:xfrm>
-                <a:off x="3683726" y="1711234"/>
-                <a:ext cx="757645" cy="418012"/>
-              </a:xfrm>
-              <a:prstGeom prst="rect">
-                <a:avLst/>
-              </a:prstGeom>
-            </p:spPr>
-            <p:style>
-              <a:lnRef idx="2">
-                <a:schemeClr val="dk1"/>
-              </a:lnRef>
-              <a:fillRef idx="1">
-                <a:schemeClr val="lt1"/>
-              </a:fillRef>
-              <a:effectRef idx="0">
-                <a:schemeClr val="dk1"/>
-              </a:effectRef>
-              <a:fontRef idx="minor">
-                <a:schemeClr val="dk1"/>
-              </a:fontRef>
-            </p:style>
-            <p:txBody>
-              <a:bodyPr rtlCol="0" anchor="ctr"/>
-              <a:lstStyle/>
-              <a:p>
-                <a:pPr algn="ctr"/>
-                <a:endParaRPr lang="pt-BR"/>
-              </a:p>
-            </p:txBody>
-          </p:sp>
-          <p:sp>
-            <p:nvSpPr>
-              <p:cNvPr id="8" name="Retângulo 7"/>
-              <p:cNvSpPr/>
-              <p:nvPr/>
-            </p:nvSpPr>
-            <p:spPr>
-              <a:xfrm>
-                <a:off x="3866606" y="1711234"/>
-                <a:ext cx="391885" cy="418012"/>
-              </a:xfrm>
-              <a:prstGeom prst="rect">
-                <a:avLst/>
-              </a:prstGeom>
-            </p:spPr>
-            <p:style>
-              <a:lnRef idx="2">
-                <a:schemeClr val="dk1"/>
-              </a:lnRef>
-              <a:fillRef idx="1">
-                <a:schemeClr val="lt1"/>
-              </a:fillRef>
-              <a:effectRef idx="0">
-                <a:schemeClr val="dk1"/>
-              </a:effectRef>
-              <a:fontRef idx="minor">
-                <a:schemeClr val="dk1"/>
-              </a:fontRef>
-            </p:style>
-            <p:txBody>
-              <a:bodyPr rtlCol="0" anchor="ctr"/>
-              <a:lstStyle/>
-              <a:p>
-                <a:pPr algn="ctr"/>
-                <a:endParaRPr lang="pt-BR"/>
-              </a:p>
-            </p:txBody>
-          </p:sp>
-          <p:cxnSp>
-            <p:nvCxnSpPr>
-              <p:cNvPr id="10" name="Conector reto 9"/>
-              <p:cNvCxnSpPr>
-                <a:stCxn id="8" idx="0"/>
-                <a:endCxn id="8" idx="2"/>
-              </p:cNvCxnSpPr>
-              <p:nvPr/>
-            </p:nvCxnSpPr>
-            <p:spPr>
-              <a:xfrm>
-                <a:off x="4062549" y="1711234"/>
-                <a:ext cx="0" cy="418012"/>
-              </a:xfrm>
-              <a:prstGeom prst="line">
-                <a:avLst/>
-              </a:prstGeom>
-            </p:spPr>
-            <p:style>
-              <a:lnRef idx="3">
-                <a:schemeClr val="dk1"/>
-              </a:lnRef>
-              <a:fillRef idx="0">
-                <a:schemeClr val="dk1"/>
-              </a:fillRef>
-              <a:effectRef idx="2">
-                <a:schemeClr val="dk1"/>
-              </a:effectRef>
-              <a:fontRef idx="minor">
-                <a:schemeClr val="tx1"/>
-              </a:fontRef>
-            </p:style>
-          </p:cxnSp>
-          <p:sp>
-            <p:nvSpPr>
-              <p:cNvPr id="11" name="Elipse 10"/>
-              <p:cNvSpPr/>
-              <p:nvPr/>
-            </p:nvSpPr>
-            <p:spPr>
-              <a:xfrm>
-                <a:off x="4441371" y="1645921"/>
-                <a:ext cx="548640" cy="535577"/>
-              </a:xfrm>
-              <a:prstGeom prst="ellipse">
-                <a:avLst/>
-              </a:prstGeom>
-            </p:spPr>
-            <p:style>
-              <a:lnRef idx="2">
-                <a:schemeClr val="dk1"/>
-              </a:lnRef>
-              <a:fillRef idx="1">
-                <a:schemeClr val="lt1"/>
-              </a:fillRef>
-              <a:effectRef idx="0">
-                <a:schemeClr val="dk1"/>
-              </a:effectRef>
-              <a:fontRef idx="minor">
-                <a:schemeClr val="dk1"/>
-              </a:fontRef>
-            </p:style>
-            <p:txBody>
-              <a:bodyPr rtlCol="0" anchor="ctr"/>
-              <a:lstStyle/>
-              <a:p>
-                <a:pPr algn="ctr"/>
-                <a:endParaRPr lang="pt-BR"/>
-              </a:p>
-            </p:txBody>
-          </p:sp>
-        </p:grpSp>
-        <p:grpSp>
-          <p:nvGrpSpPr>
-            <p:cNvPr id="13" name="Agrupar 12"/>
-            <p:cNvGrpSpPr/>
-            <p:nvPr/>
-          </p:nvGrpSpPr>
-          <p:grpSpPr>
-            <a:xfrm>
-              <a:off x="3661955" y="1691639"/>
-              <a:ext cx="2011680" cy="535577"/>
-              <a:chOff x="2978331" y="1645921"/>
-              <a:chExt cx="2011680" cy="535577"/>
-            </a:xfrm>
-          </p:grpSpPr>
-          <p:cxnSp>
-            <p:nvCxnSpPr>
-              <p:cNvPr id="14" name="Conector de Seta Reta 13"/>
-              <p:cNvCxnSpPr/>
-              <p:nvPr/>
-            </p:nvCxnSpPr>
-            <p:spPr>
-              <a:xfrm>
-                <a:off x="2978331" y="1920240"/>
-                <a:ext cx="705395" cy="0"/>
-              </a:xfrm>
-              <a:prstGeom prst="straightConnector1">
-                <a:avLst/>
-              </a:prstGeom>
-              <a:ln>
-                <a:tailEnd type="triangle"/>
-              </a:ln>
-            </p:spPr>
-            <p:style>
-              <a:lnRef idx="3">
-                <a:schemeClr val="dk1"/>
-              </a:lnRef>
-              <a:fillRef idx="0">
-                <a:schemeClr val="dk1"/>
-              </a:fillRef>
-              <a:effectRef idx="2">
-                <a:schemeClr val="dk1"/>
-              </a:effectRef>
-              <a:fontRef idx="minor">
-                <a:schemeClr val="tx1"/>
-              </a:fontRef>
-            </p:style>
-          </p:cxnSp>
-          <p:sp>
-            <p:nvSpPr>
-              <p:cNvPr id="15" name="Retângulo 14"/>
-              <p:cNvSpPr/>
-              <p:nvPr/>
-            </p:nvSpPr>
-            <p:spPr>
-              <a:xfrm>
-                <a:off x="3683726" y="1711234"/>
-                <a:ext cx="757645" cy="418012"/>
-              </a:xfrm>
-              <a:prstGeom prst="rect">
-                <a:avLst/>
-              </a:prstGeom>
-            </p:spPr>
-            <p:style>
-              <a:lnRef idx="2">
-                <a:schemeClr val="dk1"/>
-              </a:lnRef>
-              <a:fillRef idx="1">
-                <a:schemeClr val="lt1"/>
-              </a:fillRef>
-              <a:effectRef idx="0">
-                <a:schemeClr val="dk1"/>
-              </a:effectRef>
-              <a:fontRef idx="minor">
-                <a:schemeClr val="dk1"/>
-              </a:fontRef>
-            </p:style>
-            <p:txBody>
-              <a:bodyPr rtlCol="0" anchor="ctr"/>
-              <a:lstStyle/>
-              <a:p>
-                <a:pPr algn="ctr"/>
-                <a:endParaRPr lang="pt-BR"/>
-              </a:p>
-            </p:txBody>
-          </p:sp>
-          <p:sp>
-            <p:nvSpPr>
-              <p:cNvPr id="16" name="Retângulo 15"/>
-              <p:cNvSpPr/>
-              <p:nvPr/>
-            </p:nvSpPr>
-            <p:spPr>
-              <a:xfrm>
-                <a:off x="3866606" y="1711234"/>
-                <a:ext cx="391885" cy="418012"/>
-              </a:xfrm>
-              <a:prstGeom prst="rect">
-                <a:avLst/>
-              </a:prstGeom>
-            </p:spPr>
-            <p:style>
-              <a:lnRef idx="2">
-                <a:schemeClr val="dk1"/>
-              </a:lnRef>
-              <a:fillRef idx="1">
-                <a:schemeClr val="lt1"/>
-              </a:fillRef>
-              <a:effectRef idx="0">
-                <a:schemeClr val="dk1"/>
-              </a:effectRef>
-              <a:fontRef idx="minor">
-                <a:schemeClr val="dk1"/>
-              </a:fontRef>
-            </p:style>
-            <p:txBody>
-              <a:bodyPr rtlCol="0" anchor="ctr"/>
-              <a:lstStyle/>
-              <a:p>
-                <a:pPr algn="ctr"/>
-                <a:endParaRPr lang="pt-BR"/>
-              </a:p>
-            </p:txBody>
-          </p:sp>
-          <p:cxnSp>
-            <p:nvCxnSpPr>
-              <p:cNvPr id="17" name="Conector reto 16"/>
-              <p:cNvCxnSpPr>
-                <a:stCxn id="16" idx="0"/>
-                <a:endCxn id="16" idx="2"/>
-              </p:cNvCxnSpPr>
-              <p:nvPr/>
-            </p:nvCxnSpPr>
-            <p:spPr>
-              <a:xfrm>
-                <a:off x="4062549" y="1711234"/>
-                <a:ext cx="0" cy="418012"/>
-              </a:xfrm>
-              <a:prstGeom prst="line">
-                <a:avLst/>
-              </a:prstGeom>
-            </p:spPr>
-            <p:style>
-              <a:lnRef idx="3">
-                <a:schemeClr val="dk1"/>
-              </a:lnRef>
-              <a:fillRef idx="0">
-                <a:schemeClr val="dk1"/>
-              </a:fillRef>
-              <a:effectRef idx="2">
-                <a:schemeClr val="dk1"/>
-              </a:effectRef>
-              <a:fontRef idx="minor">
-                <a:schemeClr val="tx1"/>
-              </a:fontRef>
-            </p:style>
-          </p:cxnSp>
-          <p:sp>
-            <p:nvSpPr>
-              <p:cNvPr id="18" name="Elipse 17"/>
-              <p:cNvSpPr/>
-              <p:nvPr/>
-            </p:nvSpPr>
-            <p:spPr>
-              <a:xfrm>
-                <a:off x="4441371" y="1645921"/>
-                <a:ext cx="548640" cy="535577"/>
-              </a:xfrm>
-              <a:prstGeom prst="ellipse">
-                <a:avLst/>
-              </a:prstGeom>
-            </p:spPr>
-            <p:style>
-              <a:lnRef idx="2">
-                <a:schemeClr val="dk1"/>
-              </a:lnRef>
-              <a:fillRef idx="1">
-                <a:schemeClr val="lt1"/>
-              </a:fillRef>
-              <a:effectRef idx="0">
-                <a:schemeClr val="dk1"/>
-              </a:effectRef>
-              <a:fontRef idx="minor">
-                <a:schemeClr val="dk1"/>
-              </a:fontRef>
-            </p:style>
-            <p:txBody>
-              <a:bodyPr rtlCol="0" anchor="ctr"/>
-              <a:lstStyle/>
-              <a:p>
-                <a:pPr algn="ctr"/>
-                <a:endParaRPr lang="pt-BR"/>
-              </a:p>
-            </p:txBody>
-          </p:sp>
-        </p:grpSp>
-        <p:grpSp>
-          <p:nvGrpSpPr>
-            <p:cNvPr id="19" name="Agrupar 18"/>
-            <p:cNvGrpSpPr/>
-            <p:nvPr/>
-          </p:nvGrpSpPr>
-          <p:grpSpPr>
-            <a:xfrm>
-              <a:off x="5830390" y="1685109"/>
-              <a:ext cx="2011680" cy="535577"/>
-              <a:chOff x="2978331" y="1645921"/>
-              <a:chExt cx="2011680" cy="535577"/>
-            </a:xfrm>
-          </p:grpSpPr>
-          <p:cxnSp>
-            <p:nvCxnSpPr>
-              <p:cNvPr id="20" name="Conector de Seta Reta 19"/>
-              <p:cNvCxnSpPr/>
-              <p:nvPr/>
-            </p:nvCxnSpPr>
-            <p:spPr>
-              <a:xfrm>
-                <a:off x="2978331" y="1920240"/>
-                <a:ext cx="705395" cy="0"/>
-              </a:xfrm>
-              <a:prstGeom prst="straightConnector1">
-                <a:avLst/>
-              </a:prstGeom>
-              <a:ln>
-                <a:tailEnd type="triangle"/>
-              </a:ln>
-            </p:spPr>
-            <p:style>
-              <a:lnRef idx="3">
-                <a:schemeClr val="dk1"/>
-              </a:lnRef>
-              <a:fillRef idx="0">
-                <a:schemeClr val="dk1"/>
-              </a:fillRef>
-              <a:effectRef idx="2">
-                <a:schemeClr val="dk1"/>
-              </a:effectRef>
-              <a:fontRef idx="minor">
-                <a:schemeClr val="tx1"/>
-              </a:fontRef>
-            </p:style>
-          </p:cxnSp>
-          <p:sp>
-            <p:nvSpPr>
-              <p:cNvPr id="21" name="Retângulo 20"/>
-              <p:cNvSpPr/>
-              <p:nvPr/>
-            </p:nvSpPr>
-            <p:spPr>
-              <a:xfrm>
-                <a:off x="3683726" y="1711234"/>
-                <a:ext cx="757645" cy="418012"/>
-              </a:xfrm>
-              <a:prstGeom prst="rect">
-                <a:avLst/>
-              </a:prstGeom>
-            </p:spPr>
-            <p:style>
-              <a:lnRef idx="2">
-                <a:schemeClr val="dk1"/>
-              </a:lnRef>
-              <a:fillRef idx="1">
-                <a:schemeClr val="lt1"/>
-              </a:fillRef>
-              <a:effectRef idx="0">
-                <a:schemeClr val="dk1"/>
-              </a:effectRef>
-              <a:fontRef idx="minor">
-                <a:schemeClr val="dk1"/>
-              </a:fontRef>
-            </p:style>
-            <p:txBody>
-              <a:bodyPr rtlCol="0" anchor="ctr"/>
-              <a:lstStyle/>
-              <a:p>
-                <a:pPr algn="ctr"/>
-                <a:endParaRPr lang="pt-BR"/>
-              </a:p>
-            </p:txBody>
-          </p:sp>
-          <p:sp>
-            <p:nvSpPr>
-              <p:cNvPr id="22" name="Retângulo 21"/>
-              <p:cNvSpPr/>
-              <p:nvPr/>
-            </p:nvSpPr>
-            <p:spPr>
-              <a:xfrm>
-                <a:off x="3866606" y="1711234"/>
-                <a:ext cx="391885" cy="418012"/>
-              </a:xfrm>
-              <a:prstGeom prst="rect">
-                <a:avLst/>
-              </a:prstGeom>
-            </p:spPr>
-            <p:style>
-              <a:lnRef idx="2">
-                <a:schemeClr val="dk1"/>
-              </a:lnRef>
-              <a:fillRef idx="1">
-                <a:schemeClr val="lt1"/>
-              </a:fillRef>
-              <a:effectRef idx="0">
-                <a:schemeClr val="dk1"/>
-              </a:effectRef>
-              <a:fontRef idx="minor">
-                <a:schemeClr val="dk1"/>
-              </a:fontRef>
-            </p:style>
-            <p:txBody>
-              <a:bodyPr rtlCol="0" anchor="ctr"/>
-              <a:lstStyle/>
-              <a:p>
-                <a:pPr algn="ctr"/>
-                <a:endParaRPr lang="pt-BR"/>
-              </a:p>
-            </p:txBody>
-          </p:sp>
-          <p:cxnSp>
-            <p:nvCxnSpPr>
-              <p:cNvPr id="23" name="Conector reto 22"/>
-              <p:cNvCxnSpPr>
-                <a:stCxn id="22" idx="0"/>
-                <a:endCxn id="22" idx="2"/>
-              </p:cNvCxnSpPr>
-              <p:nvPr/>
-            </p:nvCxnSpPr>
-            <p:spPr>
-              <a:xfrm>
-                <a:off x="4062549" y="1711234"/>
-                <a:ext cx="0" cy="418012"/>
-              </a:xfrm>
-              <a:prstGeom prst="line">
-                <a:avLst/>
-              </a:prstGeom>
-            </p:spPr>
-            <p:style>
-              <a:lnRef idx="3">
-                <a:schemeClr val="dk1"/>
-              </a:lnRef>
-              <a:fillRef idx="0">
-                <a:schemeClr val="dk1"/>
-              </a:fillRef>
-              <a:effectRef idx="2">
-                <a:schemeClr val="dk1"/>
-              </a:effectRef>
-              <a:fontRef idx="minor">
-                <a:schemeClr val="tx1"/>
-              </a:fontRef>
-            </p:style>
-          </p:cxnSp>
-          <p:sp>
-            <p:nvSpPr>
-              <p:cNvPr id="24" name="Elipse 23"/>
-              <p:cNvSpPr/>
-              <p:nvPr/>
-            </p:nvSpPr>
-            <p:spPr>
-              <a:xfrm>
-                <a:off x="4441371" y="1645921"/>
-                <a:ext cx="548640" cy="535577"/>
-              </a:xfrm>
-              <a:prstGeom prst="ellipse">
-                <a:avLst/>
-              </a:prstGeom>
-            </p:spPr>
-            <p:style>
-              <a:lnRef idx="2">
-                <a:schemeClr val="dk1"/>
-              </a:lnRef>
-              <a:fillRef idx="1">
-                <a:schemeClr val="lt1"/>
-              </a:fillRef>
-              <a:effectRef idx="0">
-                <a:schemeClr val="dk1"/>
-              </a:effectRef>
-              <a:fontRef idx="minor">
-                <a:schemeClr val="dk1"/>
-              </a:fontRef>
-            </p:style>
-            <p:txBody>
-              <a:bodyPr rtlCol="0" anchor="ctr"/>
-              <a:lstStyle/>
-              <a:p>
-                <a:pPr algn="ctr"/>
-                <a:endParaRPr lang="pt-BR"/>
-              </a:p>
-            </p:txBody>
-          </p:sp>
-        </p:grpSp>
         <p:cxnSp>
           <p:nvCxnSpPr>
-            <p:cNvPr id="26" name="Conector Angulado 25"/>
+            <p:cNvPr id="14" name="Conector de Seta Reta 13"/>
             <p:cNvCxnSpPr/>
             <p:nvPr/>
           </p:nvCxnSpPr>
           <p:spPr>
-            <a:xfrm flipV="1">
-              <a:off x="3664131" y="1198518"/>
-              <a:ext cx="681449" cy="581296"/>
+            <a:xfrm>
+              <a:off x="2978331" y="1920240"/>
+              <a:ext cx="705395" cy="0"/>
             </a:xfrm>
-            <a:prstGeom prst="bentConnector3">
-              <a:avLst/>
-            </a:prstGeom>
-            <a:ln>
-              <a:tailEnd type="triangle"/>
-            </a:ln>
-          </p:spPr>
-          <p:style>
-            <a:lnRef idx="3">
-              <a:schemeClr val="dk1"/>
-            </a:lnRef>
-            <a:fillRef idx="0">
-              <a:schemeClr val="dk1"/>
-            </a:fillRef>
-            <a:effectRef idx="2">
-              <a:schemeClr val="dk1"/>
-            </a:effectRef>
-            <a:fontRef idx="minor">
-              <a:schemeClr val="tx1"/>
-            </a:fontRef>
-          </p:style>
-        </p:cxnSp>
-        <p:cxnSp>
-          <p:nvCxnSpPr>
-            <p:cNvPr id="27" name="Conector Angulado 26"/>
-            <p:cNvCxnSpPr/>
-            <p:nvPr/>
-          </p:nvCxnSpPr>
-          <p:spPr>
-            <a:xfrm flipV="1">
-              <a:off x="5834745" y="1198518"/>
-              <a:ext cx="637903" cy="581296"/>
-            </a:xfrm>
-            <a:prstGeom prst="bentConnector3">
+            <a:prstGeom prst="straightConnector1">
               <a:avLst/>
             </a:prstGeom>
             <a:ln>
@@ -3631,449 +3177,959 @@
         </p:cxnSp>
         <p:sp>
           <p:nvSpPr>
-            <p:cNvPr id="31" name="CaixaDeTexto 30"/>
-            <p:cNvSpPr txBox="1"/>
+            <p:cNvPr id="15" name="Retângulo 14"/>
+            <p:cNvSpPr/>
             <p:nvPr/>
           </p:nvSpPr>
           <p:spPr>
             <a:xfrm>
-              <a:off x="1567544" y="2021171"/>
-              <a:ext cx="613955" cy="369332"/>
+              <a:off x="3683726" y="1711234"/>
+              <a:ext cx="757645" cy="418012"/>
             </a:xfrm>
             <a:prstGeom prst="rect">
               <a:avLst/>
             </a:prstGeom>
-            <a:noFill/>
           </p:spPr>
+          <p:style>
+            <a:lnRef idx="2">
+              <a:schemeClr val="dk1"/>
+            </a:lnRef>
+            <a:fillRef idx="1">
+              <a:schemeClr val="lt1"/>
+            </a:fillRef>
+            <a:effectRef idx="0">
+              <a:schemeClr val="dk1"/>
+            </a:effectRef>
+            <a:fontRef idx="minor">
+              <a:schemeClr val="dk1"/>
+            </a:fontRef>
+          </p:style>
           <p:txBody>
-            <a:bodyPr wrap="square" rtlCol="0">
-              <a:spAutoFit/>
-            </a:bodyPr>
+            <a:bodyPr rtlCol="0" anchor="ctr"/>
             <a:lstStyle/>
             <a:p>
-              <a:r>
-                <a:rPr lang="pt-BR" b="1" dirty="0" smtClean="0">
-                  <a:solidFill>
-                    <a:schemeClr val="accent5"/>
-                  </a:solidFill>
-                </a:rPr>
-                <a:t>CH1</a:t>
-              </a:r>
-              <a:endParaRPr lang="pt-BR" b="1" dirty="0">
-                <a:solidFill>
-                  <a:schemeClr val="accent5"/>
-                </a:solidFill>
-              </a:endParaRPr>
+              <a:pPr algn="ctr"/>
+              <a:endParaRPr lang="pt-BR"/>
             </a:p>
           </p:txBody>
         </p:sp>
         <p:sp>
           <p:nvSpPr>
-            <p:cNvPr id="32" name="CaixaDeTexto 31"/>
-            <p:cNvSpPr txBox="1"/>
+            <p:cNvPr id="16" name="Retângulo 15"/>
+            <p:cNvSpPr/>
             <p:nvPr/>
           </p:nvSpPr>
           <p:spPr>
             <a:xfrm>
-              <a:off x="3681550" y="2021171"/>
-              <a:ext cx="613955" cy="369332"/>
+              <a:off x="3866606" y="1711234"/>
+              <a:ext cx="391885" cy="418012"/>
             </a:xfrm>
             <a:prstGeom prst="rect">
               <a:avLst/>
             </a:prstGeom>
-            <a:noFill/>
           </p:spPr>
+          <p:style>
+            <a:lnRef idx="2">
+              <a:schemeClr val="dk1"/>
+            </a:lnRef>
+            <a:fillRef idx="1">
+              <a:schemeClr val="lt1"/>
+            </a:fillRef>
+            <a:effectRef idx="0">
+              <a:schemeClr val="dk1"/>
+            </a:effectRef>
+            <a:fontRef idx="minor">
+              <a:schemeClr val="dk1"/>
+            </a:fontRef>
+          </p:style>
           <p:txBody>
-            <a:bodyPr wrap="square" rtlCol="0">
-              <a:spAutoFit/>
-            </a:bodyPr>
+            <a:bodyPr rtlCol="0" anchor="ctr"/>
             <a:lstStyle/>
             <a:p>
-              <a:r>
-                <a:rPr lang="pt-BR" b="1" dirty="0" smtClean="0">
-                  <a:solidFill>
-                    <a:schemeClr val="accent5"/>
-                  </a:solidFill>
-                </a:rPr>
-                <a:t>P12</a:t>
-              </a:r>
-              <a:endParaRPr lang="pt-BR" b="1" dirty="0">
-                <a:solidFill>
-                  <a:schemeClr val="accent5"/>
-                </a:solidFill>
-              </a:endParaRPr>
+              <a:pPr algn="ctr"/>
+              <a:endParaRPr lang="pt-BR"/>
+            </a:p>
+          </p:txBody>
+        </p:sp>
+        <p:cxnSp>
+          <p:nvCxnSpPr>
+            <p:cNvPr id="17" name="Conector reto 16"/>
+            <p:cNvCxnSpPr>
+              <a:stCxn id="16" idx="0"/>
+              <a:endCxn id="16" idx="2"/>
+            </p:cNvCxnSpPr>
+            <p:nvPr/>
+          </p:nvCxnSpPr>
+          <p:spPr>
+            <a:xfrm>
+              <a:off x="4062549" y="1711234"/>
+              <a:ext cx="0" cy="418012"/>
+            </a:xfrm>
+            <a:prstGeom prst="line">
+              <a:avLst/>
+            </a:prstGeom>
+          </p:spPr>
+          <p:style>
+            <a:lnRef idx="3">
+              <a:schemeClr val="dk1"/>
+            </a:lnRef>
+            <a:fillRef idx="0">
+              <a:schemeClr val="dk1"/>
+            </a:fillRef>
+            <a:effectRef idx="2">
+              <a:schemeClr val="dk1"/>
+            </a:effectRef>
+            <a:fontRef idx="minor">
+              <a:schemeClr val="tx1"/>
+            </a:fontRef>
+          </p:style>
+        </p:cxnSp>
+        <p:sp>
+          <p:nvSpPr>
+            <p:cNvPr id="18" name="Elipse 17"/>
+            <p:cNvSpPr/>
+            <p:nvPr/>
+          </p:nvSpPr>
+          <p:spPr>
+            <a:xfrm>
+              <a:off x="4441371" y="1645921"/>
+              <a:ext cx="548640" cy="535577"/>
+            </a:xfrm>
+            <a:prstGeom prst="ellipse">
+              <a:avLst/>
+            </a:prstGeom>
+          </p:spPr>
+          <p:style>
+            <a:lnRef idx="2">
+              <a:schemeClr val="dk1"/>
+            </a:lnRef>
+            <a:fillRef idx="1">
+              <a:schemeClr val="lt1"/>
+            </a:fillRef>
+            <a:effectRef idx="0">
+              <a:schemeClr val="dk1"/>
+            </a:effectRef>
+            <a:fontRef idx="minor">
+              <a:schemeClr val="dk1"/>
+            </a:fontRef>
+          </p:style>
+          <p:txBody>
+            <a:bodyPr rtlCol="0" anchor="ctr"/>
+            <a:lstStyle/>
+            <a:p>
+              <a:pPr algn="ctr"/>
+              <a:endParaRPr lang="pt-BR"/>
+            </a:p>
+          </p:txBody>
+        </p:sp>
+      </p:grpSp>
+      <p:grpSp>
+        <p:nvGrpSpPr>
+          <p:cNvPr id="19" name="Agrupar 18"/>
+          <p:cNvGrpSpPr/>
+          <p:nvPr/>
+        </p:nvGrpSpPr>
+        <p:grpSpPr>
+          <a:xfrm>
+            <a:off x="6992985" y="1109586"/>
+            <a:ext cx="2011680" cy="535577"/>
+            <a:chOff x="2978331" y="1645921"/>
+            <a:chExt cx="2011680" cy="535577"/>
+          </a:xfrm>
+        </p:grpSpPr>
+        <p:cxnSp>
+          <p:nvCxnSpPr>
+            <p:cNvPr id="20" name="Conector de Seta Reta 19"/>
+            <p:cNvCxnSpPr/>
+            <p:nvPr/>
+          </p:nvCxnSpPr>
+          <p:spPr>
+            <a:xfrm>
+              <a:off x="2978331" y="1920240"/>
+              <a:ext cx="705395" cy="0"/>
+            </a:xfrm>
+            <a:prstGeom prst="straightConnector1">
+              <a:avLst/>
+            </a:prstGeom>
+            <a:ln>
+              <a:tailEnd type="triangle"/>
+            </a:ln>
+          </p:spPr>
+          <p:style>
+            <a:lnRef idx="3">
+              <a:schemeClr val="dk1"/>
+            </a:lnRef>
+            <a:fillRef idx="0">
+              <a:schemeClr val="dk1"/>
+            </a:fillRef>
+            <a:effectRef idx="2">
+              <a:schemeClr val="dk1"/>
+            </a:effectRef>
+            <a:fontRef idx="minor">
+              <a:schemeClr val="tx1"/>
+            </a:fontRef>
+          </p:style>
+        </p:cxnSp>
+        <p:sp>
+          <p:nvSpPr>
+            <p:cNvPr id="21" name="Retângulo 20"/>
+            <p:cNvSpPr/>
+            <p:nvPr/>
+          </p:nvSpPr>
+          <p:spPr>
+            <a:xfrm>
+              <a:off x="3683726" y="1711234"/>
+              <a:ext cx="757645" cy="418012"/>
+            </a:xfrm>
+            <a:prstGeom prst="rect">
+              <a:avLst/>
+            </a:prstGeom>
+          </p:spPr>
+          <p:style>
+            <a:lnRef idx="2">
+              <a:schemeClr val="dk1"/>
+            </a:lnRef>
+            <a:fillRef idx="1">
+              <a:schemeClr val="lt1"/>
+            </a:fillRef>
+            <a:effectRef idx="0">
+              <a:schemeClr val="dk1"/>
+            </a:effectRef>
+            <a:fontRef idx="minor">
+              <a:schemeClr val="dk1"/>
+            </a:fontRef>
+          </p:style>
+          <p:txBody>
+            <a:bodyPr rtlCol="0" anchor="ctr"/>
+            <a:lstStyle/>
+            <a:p>
+              <a:pPr algn="ctr"/>
+              <a:endParaRPr lang="pt-BR"/>
             </a:p>
           </p:txBody>
         </p:sp>
         <p:sp>
           <p:nvSpPr>
-            <p:cNvPr id="33" name="CaixaDeTexto 32"/>
-            <p:cNvSpPr txBox="1"/>
+            <p:cNvPr id="22" name="Retângulo 21"/>
+            <p:cNvSpPr/>
             <p:nvPr/>
           </p:nvSpPr>
           <p:spPr>
             <a:xfrm>
-              <a:off x="5858693" y="1980809"/>
-              <a:ext cx="613955" cy="369332"/>
+              <a:off x="3866606" y="1711234"/>
+              <a:ext cx="391885" cy="418012"/>
             </a:xfrm>
             <a:prstGeom prst="rect">
               <a:avLst/>
             </a:prstGeom>
-            <a:noFill/>
           </p:spPr>
+          <p:style>
+            <a:lnRef idx="2">
+              <a:schemeClr val="dk1"/>
+            </a:lnRef>
+            <a:fillRef idx="1">
+              <a:schemeClr val="lt1"/>
+            </a:fillRef>
+            <a:effectRef idx="0">
+              <a:schemeClr val="dk1"/>
+            </a:effectRef>
+            <a:fontRef idx="minor">
+              <a:schemeClr val="dk1"/>
+            </a:fontRef>
+          </p:style>
           <p:txBody>
-            <a:bodyPr wrap="square" rtlCol="0">
-              <a:spAutoFit/>
-            </a:bodyPr>
+            <a:bodyPr rtlCol="0" anchor="ctr"/>
             <a:lstStyle/>
             <a:p>
-              <a:r>
-                <a:rPr lang="pt-BR" b="1" dirty="0" smtClean="0">
-                  <a:solidFill>
-                    <a:schemeClr val="accent5"/>
-                  </a:solidFill>
-                </a:rPr>
-                <a:t>P23</a:t>
-              </a:r>
-              <a:endParaRPr lang="pt-BR" b="1" dirty="0">
-                <a:solidFill>
-                  <a:schemeClr val="accent5"/>
-                </a:solidFill>
-              </a:endParaRPr>
+              <a:pPr algn="ctr"/>
+              <a:endParaRPr lang="pt-BR"/>
             </a:p>
           </p:txBody>
         </p:sp>
+        <p:cxnSp>
+          <p:nvCxnSpPr>
+            <p:cNvPr id="23" name="Conector reto 22"/>
+            <p:cNvCxnSpPr>
+              <a:stCxn id="22" idx="0"/>
+              <a:endCxn id="22" idx="2"/>
+            </p:cNvCxnSpPr>
+            <p:nvPr/>
+          </p:nvCxnSpPr>
+          <p:spPr>
+            <a:xfrm>
+              <a:off x="4062549" y="1711234"/>
+              <a:ext cx="0" cy="418012"/>
+            </a:xfrm>
+            <a:prstGeom prst="line">
+              <a:avLst/>
+            </a:prstGeom>
+          </p:spPr>
+          <p:style>
+            <a:lnRef idx="3">
+              <a:schemeClr val="dk1"/>
+            </a:lnRef>
+            <a:fillRef idx="0">
+              <a:schemeClr val="dk1"/>
+            </a:fillRef>
+            <a:effectRef idx="2">
+              <a:schemeClr val="dk1"/>
+            </a:effectRef>
+            <a:fontRef idx="minor">
+              <a:schemeClr val="tx1"/>
+            </a:fontRef>
+          </p:style>
+        </p:cxnSp>
         <p:sp>
           <p:nvSpPr>
-            <p:cNvPr id="34" name="CaixaDeTexto 33"/>
-            <p:cNvSpPr txBox="1"/>
+            <p:cNvPr id="24" name="Elipse 23"/>
+            <p:cNvSpPr/>
             <p:nvPr/>
           </p:nvSpPr>
           <p:spPr>
             <a:xfrm>
-              <a:off x="6470470" y="1018904"/>
-              <a:ext cx="613955" cy="369332"/>
+              <a:off x="4441371" y="1645921"/>
+              <a:ext cx="548640" cy="535577"/>
             </a:xfrm>
-            <a:prstGeom prst="rect">
+            <a:prstGeom prst="ellipse">
               <a:avLst/>
             </a:prstGeom>
-            <a:noFill/>
           </p:spPr>
+          <p:style>
+            <a:lnRef idx="2">
+              <a:schemeClr val="dk1"/>
+            </a:lnRef>
+            <a:fillRef idx="1">
+              <a:schemeClr val="lt1"/>
+            </a:fillRef>
+            <a:effectRef idx="0">
+              <a:schemeClr val="dk1"/>
+            </a:effectRef>
+            <a:fontRef idx="minor">
+              <a:schemeClr val="dk1"/>
+            </a:fontRef>
+          </p:style>
           <p:txBody>
-            <a:bodyPr wrap="square" rtlCol="0">
-              <a:spAutoFit/>
-            </a:bodyPr>
+            <a:bodyPr rtlCol="0" anchor="ctr"/>
             <a:lstStyle/>
             <a:p>
-              <a:r>
-                <a:rPr lang="pt-BR" b="1" dirty="0" smtClean="0">
-                  <a:solidFill>
-                    <a:schemeClr val="accent5"/>
-                  </a:solidFill>
-                </a:rPr>
-                <a:t>SA2</a:t>
-              </a:r>
-              <a:endParaRPr lang="pt-BR" b="1" dirty="0">
-                <a:solidFill>
-                  <a:schemeClr val="accent5"/>
-                </a:solidFill>
-              </a:endParaRPr>
-            </a:p>
-          </p:txBody>
-        </p:sp>
-        <p:sp>
-          <p:nvSpPr>
-            <p:cNvPr id="35" name="CaixaDeTexto 34"/>
-            <p:cNvSpPr txBox="1"/>
-            <p:nvPr/>
-          </p:nvSpPr>
-          <p:spPr>
-            <a:xfrm>
-              <a:off x="4297682" y="992777"/>
-              <a:ext cx="613955" cy="369332"/>
-            </a:xfrm>
-            <a:prstGeom prst="rect">
-              <a:avLst/>
-            </a:prstGeom>
-            <a:noFill/>
-          </p:spPr>
-          <p:txBody>
-            <a:bodyPr wrap="square" rtlCol="0">
-              <a:spAutoFit/>
-            </a:bodyPr>
-            <a:lstStyle/>
-            <a:p>
-              <a:r>
-                <a:rPr lang="pt-BR" b="1" dirty="0" smtClean="0">
-                  <a:solidFill>
-                    <a:schemeClr val="accent5"/>
-                  </a:solidFill>
-                </a:rPr>
-                <a:t>SA1</a:t>
-              </a:r>
-              <a:endParaRPr lang="pt-BR" b="1" dirty="0">
-                <a:solidFill>
-                  <a:schemeClr val="accent5"/>
-                </a:solidFill>
-              </a:endParaRPr>
-            </a:p>
-          </p:txBody>
-        </p:sp>
-        <p:sp>
-          <p:nvSpPr>
-            <p:cNvPr id="37" name="CaixaDeTexto 36"/>
-            <p:cNvSpPr txBox="1"/>
-            <p:nvPr/>
-          </p:nvSpPr>
-          <p:spPr>
-            <a:xfrm>
-              <a:off x="1426028" y="1388236"/>
-              <a:ext cx="888275" cy="369332"/>
-            </a:xfrm>
-            <a:prstGeom prst="rect">
-              <a:avLst/>
-            </a:prstGeom>
-            <a:noFill/>
-          </p:spPr>
-          <p:txBody>
-            <a:bodyPr wrap="square" rtlCol="0">
-              <a:spAutoFit/>
-            </a:bodyPr>
-            <a:lstStyle/>
-            <a:p>
-              <a:r>
-                <a:rPr lang="pt-BR" dirty="0"/>
-                <a:t>4</a:t>
-              </a:r>
-              <a:r>
-                <a:rPr lang="pt-BR" dirty="0" smtClean="0"/>
-                <a:t>..</a:t>
-              </a:r>
-              <a:r>
-                <a:rPr lang="pt-BR" dirty="0"/>
-                <a:t>6</a:t>
-              </a:r>
-              <a:r>
-                <a:rPr lang="pt-BR" dirty="0" smtClean="0"/>
-                <a:t> ut</a:t>
-              </a:r>
-              <a:endParaRPr lang="pt-BR" dirty="0"/>
-            </a:p>
-          </p:txBody>
-        </p:sp>
-        <p:sp>
-          <p:nvSpPr>
-            <p:cNvPr id="38" name="CaixaDeTexto 37"/>
-            <p:cNvSpPr txBox="1"/>
-            <p:nvPr/>
-          </p:nvSpPr>
-          <p:spPr>
-            <a:xfrm>
-              <a:off x="3468192" y="835717"/>
-              <a:ext cx="973183" cy="369332"/>
-            </a:xfrm>
-            <a:prstGeom prst="rect">
-              <a:avLst/>
-            </a:prstGeom>
-            <a:noFill/>
-          </p:spPr>
-          <p:txBody>
-            <a:bodyPr wrap="square" rtlCol="0">
-              <a:spAutoFit/>
-            </a:bodyPr>
-            <a:lstStyle/>
-            <a:p>
-              <a:r>
-                <a:rPr lang="pt-BR" dirty="0" smtClean="0"/>
-                <a:t>8..14 ut</a:t>
-              </a:r>
-              <a:endParaRPr lang="pt-BR" dirty="0"/>
-            </a:p>
-          </p:txBody>
-        </p:sp>
-        <p:sp>
-          <p:nvSpPr>
-            <p:cNvPr id="39" name="CaixaDeTexto 38"/>
-            <p:cNvSpPr txBox="1"/>
-            <p:nvPr/>
-          </p:nvSpPr>
-          <p:spPr>
-            <a:xfrm>
-              <a:off x="5562602" y="835718"/>
-              <a:ext cx="973183" cy="369332"/>
-            </a:xfrm>
-            <a:prstGeom prst="rect">
-              <a:avLst/>
-            </a:prstGeom>
-            <a:noFill/>
-          </p:spPr>
-          <p:txBody>
-            <a:bodyPr wrap="square" rtlCol="0">
-              <a:spAutoFit/>
-            </a:bodyPr>
-            <a:lstStyle/>
-            <a:p>
-              <a:r>
-                <a:rPr lang="pt-BR" dirty="0" smtClean="0"/>
-                <a:t>8..16 ut</a:t>
-              </a:r>
-              <a:endParaRPr lang="pt-BR" dirty="0"/>
-            </a:p>
-          </p:txBody>
-        </p:sp>
-        <p:sp>
-          <p:nvSpPr>
-            <p:cNvPr id="41" name="CaixaDeTexto 40"/>
-            <p:cNvSpPr txBox="1"/>
-            <p:nvPr/>
-          </p:nvSpPr>
-          <p:spPr>
-            <a:xfrm>
-              <a:off x="3960225" y="1779814"/>
-              <a:ext cx="383180" cy="261257"/>
-            </a:xfrm>
-            <a:prstGeom prst="rect">
-              <a:avLst/>
-            </a:prstGeom>
-            <a:noFill/>
-          </p:spPr>
-          <p:txBody>
-            <a:bodyPr wrap="square" rtlCol="0">
-              <a:spAutoFit/>
-            </a:bodyPr>
-            <a:lstStyle/>
-            <a:p>
-              <a:r>
-                <a:rPr lang="pt-BR" sz="1100" b="1" dirty="0" smtClean="0">
-                  <a:solidFill>
-                    <a:schemeClr val="accent5"/>
-                  </a:solidFill>
-                </a:rPr>
-                <a:t>0,7</a:t>
-              </a:r>
-              <a:endParaRPr lang="pt-BR" sz="1100" b="1" dirty="0">
-                <a:solidFill>
-                  <a:schemeClr val="accent5"/>
-                </a:solidFill>
-              </a:endParaRPr>
-            </a:p>
-          </p:txBody>
-        </p:sp>
-        <p:sp>
-          <p:nvSpPr>
-            <p:cNvPr id="42" name="CaixaDeTexto 41"/>
-            <p:cNvSpPr txBox="1"/>
-            <p:nvPr/>
-          </p:nvSpPr>
-          <p:spPr>
-            <a:xfrm>
-              <a:off x="3656509" y="1551518"/>
-              <a:ext cx="383180" cy="261257"/>
-            </a:xfrm>
-            <a:prstGeom prst="rect">
-              <a:avLst/>
-            </a:prstGeom>
-            <a:noFill/>
-          </p:spPr>
-          <p:txBody>
-            <a:bodyPr wrap="square" rtlCol="0">
-              <a:spAutoFit/>
-            </a:bodyPr>
-            <a:lstStyle/>
-            <a:p>
-              <a:r>
-                <a:rPr lang="pt-BR" sz="1100" b="1" dirty="0" smtClean="0">
-                  <a:solidFill>
-                    <a:schemeClr val="accent5"/>
-                  </a:solidFill>
-                </a:rPr>
-                <a:t>0,3</a:t>
-              </a:r>
-              <a:endParaRPr lang="pt-BR" sz="1100" b="1" dirty="0">
-                <a:solidFill>
-                  <a:schemeClr val="accent5"/>
-                </a:solidFill>
-              </a:endParaRPr>
-            </a:p>
-          </p:txBody>
-        </p:sp>
-        <p:sp>
-          <p:nvSpPr>
-            <p:cNvPr id="43" name="CaixaDeTexto 42"/>
-            <p:cNvSpPr txBox="1"/>
-            <p:nvPr/>
-          </p:nvSpPr>
-          <p:spPr>
-            <a:xfrm>
-              <a:off x="6122124" y="1750422"/>
-              <a:ext cx="383180" cy="261257"/>
-            </a:xfrm>
-            <a:prstGeom prst="rect">
-              <a:avLst/>
-            </a:prstGeom>
-            <a:noFill/>
-          </p:spPr>
-          <p:txBody>
-            <a:bodyPr wrap="square" rtlCol="0">
-              <a:spAutoFit/>
-            </a:bodyPr>
-            <a:lstStyle/>
-            <a:p>
-              <a:r>
-                <a:rPr lang="pt-BR" sz="1100" b="1" dirty="0" smtClean="0">
-                  <a:solidFill>
-                    <a:schemeClr val="accent5"/>
-                  </a:solidFill>
-                </a:rPr>
-                <a:t>0,5</a:t>
-              </a:r>
-              <a:endParaRPr lang="pt-BR" sz="1100" b="1" dirty="0">
-                <a:solidFill>
-                  <a:schemeClr val="accent5"/>
-                </a:solidFill>
-              </a:endParaRPr>
-            </a:p>
-          </p:txBody>
-        </p:sp>
-        <p:sp>
-          <p:nvSpPr>
-            <p:cNvPr id="44" name="CaixaDeTexto 43"/>
-            <p:cNvSpPr txBox="1"/>
-            <p:nvPr/>
-          </p:nvSpPr>
-          <p:spPr>
-            <a:xfrm>
-              <a:off x="5819507" y="1551517"/>
-              <a:ext cx="383180" cy="261257"/>
-            </a:xfrm>
-            <a:prstGeom prst="rect">
-              <a:avLst/>
-            </a:prstGeom>
-            <a:noFill/>
-          </p:spPr>
-          <p:txBody>
-            <a:bodyPr wrap="square" rtlCol="0">
-              <a:spAutoFit/>
-            </a:bodyPr>
-            <a:lstStyle/>
-            <a:p>
-              <a:r>
-                <a:rPr lang="pt-BR" sz="1100" b="1" dirty="0" smtClean="0">
-                  <a:solidFill>
-                    <a:schemeClr val="accent5"/>
-                  </a:solidFill>
-                </a:rPr>
-                <a:t>0,5</a:t>
-              </a:r>
-              <a:endParaRPr lang="pt-BR" sz="1100" b="1" dirty="0">
-                <a:solidFill>
-                  <a:schemeClr val="accent5"/>
-                </a:solidFill>
-              </a:endParaRPr>
+              <a:pPr algn="ctr"/>
+              <a:endParaRPr lang="pt-BR"/>
             </a:p>
           </p:txBody>
         </p:sp>
       </p:grpSp>
+      <p:cxnSp>
+        <p:nvCxnSpPr>
+          <p:cNvPr id="26" name="Conector Angulado 25"/>
+          <p:cNvCxnSpPr/>
+          <p:nvPr/>
+        </p:nvCxnSpPr>
+        <p:spPr>
+          <a:xfrm flipV="1">
+            <a:off x="4826726" y="622995"/>
+            <a:ext cx="681449" cy="581296"/>
+          </a:xfrm>
+          <a:prstGeom prst="bentConnector3">
+            <a:avLst/>
+          </a:prstGeom>
+          <a:ln>
+            <a:tailEnd type="triangle"/>
+          </a:ln>
+        </p:spPr>
+        <p:style>
+          <a:lnRef idx="3">
+            <a:schemeClr val="dk1"/>
+          </a:lnRef>
+          <a:fillRef idx="0">
+            <a:schemeClr val="dk1"/>
+          </a:fillRef>
+          <a:effectRef idx="2">
+            <a:schemeClr val="dk1"/>
+          </a:effectRef>
+          <a:fontRef idx="minor">
+            <a:schemeClr val="tx1"/>
+          </a:fontRef>
+        </p:style>
+      </p:cxnSp>
+      <p:cxnSp>
+        <p:nvCxnSpPr>
+          <p:cNvPr id="27" name="Conector Angulado 26"/>
+          <p:cNvCxnSpPr/>
+          <p:nvPr/>
+        </p:nvCxnSpPr>
+        <p:spPr>
+          <a:xfrm flipV="1">
+            <a:off x="6997340" y="622995"/>
+            <a:ext cx="637903" cy="581296"/>
+          </a:xfrm>
+          <a:prstGeom prst="bentConnector3">
+            <a:avLst/>
+          </a:prstGeom>
+          <a:ln>
+            <a:tailEnd type="triangle"/>
+          </a:ln>
+        </p:spPr>
+        <p:style>
+          <a:lnRef idx="3">
+            <a:schemeClr val="dk1"/>
+          </a:lnRef>
+          <a:fillRef idx="0">
+            <a:schemeClr val="dk1"/>
+          </a:fillRef>
+          <a:effectRef idx="2">
+            <a:schemeClr val="dk1"/>
+          </a:effectRef>
+          <a:fontRef idx="minor">
+            <a:schemeClr val="tx1"/>
+          </a:fontRef>
+        </p:style>
+      </p:cxnSp>
+      <p:sp>
+        <p:nvSpPr>
+          <p:cNvPr id="31" name="CaixaDeTexto 30"/>
+          <p:cNvSpPr txBox="1"/>
+          <p:nvPr/>
+        </p:nvSpPr>
+        <p:spPr>
+          <a:xfrm>
+            <a:off x="2730139" y="1445648"/>
+            <a:ext cx="613955" cy="369332"/>
+          </a:xfrm>
+          <a:prstGeom prst="rect">
+            <a:avLst/>
+          </a:prstGeom>
+          <a:noFill/>
+        </p:spPr>
+        <p:txBody>
+          <a:bodyPr wrap="square" rtlCol="0">
+            <a:spAutoFit/>
+          </a:bodyPr>
+          <a:lstStyle/>
+          <a:p>
+            <a:r>
+              <a:rPr lang="pt-BR" b="1" dirty="0">
+                <a:solidFill>
+                  <a:schemeClr val="accent5"/>
+                </a:solidFill>
+              </a:rPr>
+              <a:t>CH1</a:t>
+            </a:r>
+          </a:p>
+        </p:txBody>
+      </p:sp>
+      <p:sp>
+        <p:nvSpPr>
+          <p:cNvPr id="32" name="CaixaDeTexto 31"/>
+          <p:cNvSpPr txBox="1"/>
+          <p:nvPr/>
+        </p:nvSpPr>
+        <p:spPr>
+          <a:xfrm>
+            <a:off x="4844145" y="1445648"/>
+            <a:ext cx="613955" cy="369332"/>
+          </a:xfrm>
+          <a:prstGeom prst="rect">
+            <a:avLst/>
+          </a:prstGeom>
+          <a:noFill/>
+        </p:spPr>
+        <p:txBody>
+          <a:bodyPr wrap="square" rtlCol="0">
+            <a:spAutoFit/>
+          </a:bodyPr>
+          <a:lstStyle/>
+          <a:p>
+            <a:r>
+              <a:rPr lang="pt-BR" b="1" dirty="0">
+                <a:solidFill>
+                  <a:schemeClr val="accent5"/>
+                </a:solidFill>
+              </a:rPr>
+              <a:t>P12</a:t>
+            </a:r>
+          </a:p>
+        </p:txBody>
+      </p:sp>
+      <p:sp>
+        <p:nvSpPr>
+          <p:cNvPr id="33" name="CaixaDeTexto 32"/>
+          <p:cNvSpPr txBox="1"/>
+          <p:nvPr/>
+        </p:nvSpPr>
+        <p:spPr>
+          <a:xfrm>
+            <a:off x="7021288" y="1405286"/>
+            <a:ext cx="613955" cy="369332"/>
+          </a:xfrm>
+          <a:prstGeom prst="rect">
+            <a:avLst/>
+          </a:prstGeom>
+          <a:noFill/>
+        </p:spPr>
+        <p:txBody>
+          <a:bodyPr wrap="square" rtlCol="0">
+            <a:spAutoFit/>
+          </a:bodyPr>
+          <a:lstStyle/>
+          <a:p>
+            <a:r>
+              <a:rPr lang="pt-BR" b="1" dirty="0">
+                <a:solidFill>
+                  <a:schemeClr val="accent5"/>
+                </a:solidFill>
+              </a:rPr>
+              <a:t>P23</a:t>
+            </a:r>
+          </a:p>
+        </p:txBody>
+      </p:sp>
+      <p:sp>
+        <p:nvSpPr>
+          <p:cNvPr id="34" name="CaixaDeTexto 33"/>
+          <p:cNvSpPr txBox="1"/>
+          <p:nvPr/>
+        </p:nvSpPr>
+        <p:spPr>
+          <a:xfrm>
+            <a:off x="7633065" y="443381"/>
+            <a:ext cx="613955" cy="369332"/>
+          </a:xfrm>
+          <a:prstGeom prst="rect">
+            <a:avLst/>
+          </a:prstGeom>
+          <a:noFill/>
+        </p:spPr>
+        <p:txBody>
+          <a:bodyPr wrap="square" rtlCol="0">
+            <a:spAutoFit/>
+          </a:bodyPr>
+          <a:lstStyle/>
+          <a:p>
+            <a:r>
+              <a:rPr lang="pt-BR" b="1" dirty="0">
+                <a:solidFill>
+                  <a:schemeClr val="accent5"/>
+                </a:solidFill>
+              </a:rPr>
+              <a:t>SA2</a:t>
+            </a:r>
+          </a:p>
+        </p:txBody>
+      </p:sp>
+      <p:sp>
+        <p:nvSpPr>
+          <p:cNvPr id="35" name="CaixaDeTexto 34"/>
+          <p:cNvSpPr txBox="1"/>
+          <p:nvPr/>
+        </p:nvSpPr>
+        <p:spPr>
+          <a:xfrm>
+            <a:off x="5460277" y="417254"/>
+            <a:ext cx="613955" cy="369332"/>
+          </a:xfrm>
+          <a:prstGeom prst="rect">
+            <a:avLst/>
+          </a:prstGeom>
+          <a:noFill/>
+        </p:spPr>
+        <p:txBody>
+          <a:bodyPr wrap="square" rtlCol="0">
+            <a:spAutoFit/>
+          </a:bodyPr>
+          <a:lstStyle/>
+          <a:p>
+            <a:r>
+              <a:rPr lang="pt-BR" b="1" dirty="0">
+                <a:solidFill>
+                  <a:schemeClr val="accent5"/>
+                </a:solidFill>
+              </a:rPr>
+              <a:t>SA1</a:t>
+            </a:r>
+          </a:p>
+        </p:txBody>
+      </p:sp>
+      <p:sp>
+        <p:nvSpPr>
+          <p:cNvPr id="37" name="CaixaDeTexto 36"/>
+          <p:cNvSpPr txBox="1"/>
+          <p:nvPr/>
+        </p:nvSpPr>
+        <p:spPr>
+          <a:xfrm>
+            <a:off x="2588623" y="812713"/>
+            <a:ext cx="888275" cy="369332"/>
+          </a:xfrm>
+          <a:prstGeom prst="rect">
+            <a:avLst/>
+          </a:prstGeom>
+          <a:noFill/>
+        </p:spPr>
+        <p:txBody>
+          <a:bodyPr wrap="square" rtlCol="0">
+            <a:spAutoFit/>
+          </a:bodyPr>
+          <a:lstStyle/>
+          <a:p>
+            <a:r>
+              <a:rPr lang="pt-BR" dirty="0"/>
+              <a:t>4..6 ut</a:t>
+            </a:r>
+          </a:p>
+        </p:txBody>
+      </p:sp>
+      <p:sp>
+        <p:nvSpPr>
+          <p:cNvPr id="38" name="CaixaDeTexto 37"/>
+          <p:cNvSpPr txBox="1"/>
+          <p:nvPr/>
+        </p:nvSpPr>
+        <p:spPr>
+          <a:xfrm>
+            <a:off x="4630787" y="260194"/>
+            <a:ext cx="973183" cy="369332"/>
+          </a:xfrm>
+          <a:prstGeom prst="rect">
+            <a:avLst/>
+          </a:prstGeom>
+          <a:noFill/>
+        </p:spPr>
+        <p:txBody>
+          <a:bodyPr wrap="square" rtlCol="0">
+            <a:spAutoFit/>
+          </a:bodyPr>
+          <a:lstStyle/>
+          <a:p>
+            <a:r>
+              <a:rPr lang="pt-BR" dirty="0"/>
+              <a:t>8..14 ut</a:t>
+            </a:r>
+          </a:p>
+        </p:txBody>
+      </p:sp>
+      <p:sp>
+        <p:nvSpPr>
+          <p:cNvPr id="39" name="CaixaDeTexto 38"/>
+          <p:cNvSpPr txBox="1"/>
+          <p:nvPr/>
+        </p:nvSpPr>
+        <p:spPr>
+          <a:xfrm>
+            <a:off x="6725197" y="260195"/>
+            <a:ext cx="973183" cy="369332"/>
+          </a:xfrm>
+          <a:prstGeom prst="rect">
+            <a:avLst/>
+          </a:prstGeom>
+          <a:noFill/>
+        </p:spPr>
+        <p:txBody>
+          <a:bodyPr wrap="square" rtlCol="0">
+            <a:spAutoFit/>
+          </a:bodyPr>
+          <a:lstStyle/>
+          <a:p>
+            <a:r>
+              <a:rPr lang="pt-BR" dirty="0"/>
+              <a:t>8..16 ut</a:t>
+            </a:r>
+          </a:p>
+        </p:txBody>
+      </p:sp>
+      <p:sp>
+        <p:nvSpPr>
+          <p:cNvPr id="41" name="CaixaDeTexto 40"/>
+          <p:cNvSpPr txBox="1"/>
+          <p:nvPr/>
+        </p:nvSpPr>
+        <p:spPr>
+          <a:xfrm>
+            <a:off x="5122820" y="1204291"/>
+            <a:ext cx="383180" cy="261257"/>
+          </a:xfrm>
+          <a:prstGeom prst="rect">
+            <a:avLst/>
+          </a:prstGeom>
+          <a:noFill/>
+        </p:spPr>
+        <p:txBody>
+          <a:bodyPr wrap="square" rtlCol="0">
+            <a:spAutoFit/>
+          </a:bodyPr>
+          <a:lstStyle/>
+          <a:p>
+            <a:r>
+              <a:rPr lang="pt-BR" sz="1100" b="1" dirty="0">
+                <a:solidFill>
+                  <a:schemeClr val="accent5"/>
+                </a:solidFill>
+              </a:rPr>
+              <a:t>0,7</a:t>
+            </a:r>
+          </a:p>
+        </p:txBody>
+      </p:sp>
+      <p:sp>
+        <p:nvSpPr>
+          <p:cNvPr id="42" name="CaixaDeTexto 41"/>
+          <p:cNvSpPr txBox="1"/>
+          <p:nvPr/>
+        </p:nvSpPr>
+        <p:spPr>
+          <a:xfrm>
+            <a:off x="4819104" y="975995"/>
+            <a:ext cx="383180" cy="261257"/>
+          </a:xfrm>
+          <a:prstGeom prst="rect">
+            <a:avLst/>
+          </a:prstGeom>
+          <a:noFill/>
+        </p:spPr>
+        <p:txBody>
+          <a:bodyPr wrap="square" rtlCol="0">
+            <a:spAutoFit/>
+          </a:bodyPr>
+          <a:lstStyle/>
+          <a:p>
+            <a:r>
+              <a:rPr lang="pt-BR" sz="1100" b="1" dirty="0">
+                <a:solidFill>
+                  <a:schemeClr val="accent5"/>
+                </a:solidFill>
+              </a:rPr>
+              <a:t>0,3</a:t>
+            </a:r>
+          </a:p>
+        </p:txBody>
+      </p:sp>
+      <p:sp>
+        <p:nvSpPr>
+          <p:cNvPr id="43" name="CaixaDeTexto 42"/>
+          <p:cNvSpPr txBox="1"/>
+          <p:nvPr/>
+        </p:nvSpPr>
+        <p:spPr>
+          <a:xfrm>
+            <a:off x="7284719" y="1174899"/>
+            <a:ext cx="383180" cy="261257"/>
+          </a:xfrm>
+          <a:prstGeom prst="rect">
+            <a:avLst/>
+          </a:prstGeom>
+          <a:noFill/>
+        </p:spPr>
+        <p:txBody>
+          <a:bodyPr wrap="square" rtlCol="0">
+            <a:spAutoFit/>
+          </a:bodyPr>
+          <a:lstStyle/>
+          <a:p>
+            <a:r>
+              <a:rPr lang="pt-BR" sz="1100" b="1" dirty="0">
+                <a:solidFill>
+                  <a:schemeClr val="accent5"/>
+                </a:solidFill>
+              </a:rPr>
+              <a:t>0,5</a:t>
+            </a:r>
+          </a:p>
+        </p:txBody>
+      </p:sp>
+      <p:sp>
+        <p:nvSpPr>
+          <p:cNvPr id="44" name="CaixaDeTexto 43"/>
+          <p:cNvSpPr txBox="1"/>
+          <p:nvPr/>
+        </p:nvSpPr>
+        <p:spPr>
+          <a:xfrm>
+            <a:off x="6982102" y="975994"/>
+            <a:ext cx="383180" cy="261257"/>
+          </a:xfrm>
+          <a:prstGeom prst="rect">
+            <a:avLst/>
+          </a:prstGeom>
+          <a:noFill/>
+        </p:spPr>
+        <p:txBody>
+          <a:bodyPr wrap="square" rtlCol="0">
+            <a:spAutoFit/>
+          </a:bodyPr>
+          <a:lstStyle/>
+          <a:p>
+            <a:r>
+              <a:rPr lang="pt-BR" sz="1100" b="1" dirty="0">
+                <a:solidFill>
+                  <a:schemeClr val="accent5"/>
+                </a:solidFill>
+              </a:rPr>
+              <a:t>0,5</a:t>
+            </a:r>
+          </a:p>
+        </p:txBody>
+      </p:sp>
+      <p:sp>
+        <p:nvSpPr>
+          <p:cNvPr id="2" name="Retângulo 1">
+            <a:extLst>
+              <a:ext uri="{FF2B5EF4-FFF2-40B4-BE49-F238E27FC236}">
+                <a16:creationId xmlns:a16="http://schemas.microsoft.com/office/drawing/2014/main" id="{1F151B3A-0B4D-416C-97C8-EDEEA721AE6F}"/>
+              </a:ext>
+            </a:extLst>
+          </p:cNvPr>
+          <p:cNvSpPr/>
+          <p:nvPr/>
+        </p:nvSpPr>
+        <p:spPr>
+          <a:xfrm flipH="1">
+            <a:off x="3356747" y="1116115"/>
+            <a:ext cx="45719" cy="535577"/>
+          </a:xfrm>
+          <a:prstGeom prst="rect">
+            <a:avLst/>
+          </a:prstGeom>
+          <a:solidFill>
+            <a:schemeClr val="bg1"/>
+          </a:solidFill>
+          <a:ln>
+            <a:solidFill>
+              <a:schemeClr val="bg1"/>
+            </a:solidFill>
+          </a:ln>
+        </p:spPr>
+        <p:style>
+          <a:lnRef idx="2">
+            <a:schemeClr val="accent1">
+              <a:shade val="50000"/>
+            </a:schemeClr>
+          </a:lnRef>
+          <a:fillRef idx="1">
+            <a:schemeClr val="accent1"/>
+          </a:fillRef>
+          <a:effectRef idx="0">
+            <a:schemeClr val="accent1"/>
+          </a:effectRef>
+          <a:fontRef idx="minor">
+            <a:schemeClr val="lt1"/>
+          </a:fontRef>
+        </p:style>
+        <p:txBody>
+          <a:bodyPr rtlCol="0" anchor="ctr"/>
+          <a:lstStyle/>
+          <a:p>
+            <a:pPr algn="ctr"/>
+            <a:endParaRPr lang="pt-BR"/>
+          </a:p>
+        </p:txBody>
+      </p:sp>
+      <p:sp>
+        <p:nvSpPr>
+          <p:cNvPr id="36" name="Retângulo 35">
+            <a:extLst>
+              <a:ext uri="{FF2B5EF4-FFF2-40B4-BE49-F238E27FC236}">
+                <a16:creationId xmlns:a16="http://schemas.microsoft.com/office/drawing/2014/main" id="{70442282-3C17-4224-BF8B-6B57004741DB}"/>
+              </a:ext>
+            </a:extLst>
+          </p:cNvPr>
+          <p:cNvSpPr/>
+          <p:nvPr/>
+        </p:nvSpPr>
+        <p:spPr>
+          <a:xfrm flipH="1">
+            <a:off x="5528459" y="1144677"/>
+            <a:ext cx="45719" cy="535577"/>
+          </a:xfrm>
+          <a:prstGeom prst="rect">
+            <a:avLst/>
+          </a:prstGeom>
+          <a:solidFill>
+            <a:schemeClr val="bg1"/>
+          </a:solidFill>
+          <a:ln>
+            <a:solidFill>
+              <a:schemeClr val="bg1"/>
+            </a:solidFill>
+          </a:ln>
+        </p:spPr>
+        <p:style>
+          <a:lnRef idx="2">
+            <a:schemeClr val="accent1">
+              <a:shade val="50000"/>
+            </a:schemeClr>
+          </a:lnRef>
+          <a:fillRef idx="1">
+            <a:schemeClr val="accent1"/>
+          </a:fillRef>
+          <a:effectRef idx="0">
+            <a:schemeClr val="accent1"/>
+          </a:effectRef>
+          <a:fontRef idx="minor">
+            <a:schemeClr val="lt1"/>
+          </a:fontRef>
+        </p:style>
+        <p:txBody>
+          <a:bodyPr rtlCol="0" anchor="ctr"/>
+          <a:lstStyle/>
+          <a:p>
+            <a:pPr algn="ctr"/>
+            <a:endParaRPr lang="pt-BR"/>
+          </a:p>
+        </p:txBody>
+      </p:sp>
+      <p:sp>
+        <p:nvSpPr>
+          <p:cNvPr id="40" name="Retângulo 39">
+            <a:extLst>
+              <a:ext uri="{FF2B5EF4-FFF2-40B4-BE49-F238E27FC236}">
+                <a16:creationId xmlns:a16="http://schemas.microsoft.com/office/drawing/2014/main" id="{DE3618A2-C2A9-4C57-ACB4-E592B7566D72}"/>
+              </a:ext>
+            </a:extLst>
+          </p:cNvPr>
+          <p:cNvSpPr/>
+          <p:nvPr/>
+        </p:nvSpPr>
+        <p:spPr>
+          <a:xfrm flipH="1">
+            <a:off x="7695399" y="1158966"/>
+            <a:ext cx="45719" cy="535577"/>
+          </a:xfrm>
+          <a:prstGeom prst="rect">
+            <a:avLst/>
+          </a:prstGeom>
+          <a:solidFill>
+            <a:schemeClr val="bg1"/>
+          </a:solidFill>
+          <a:ln>
+            <a:solidFill>
+              <a:schemeClr val="bg1"/>
+            </a:solidFill>
+          </a:ln>
+        </p:spPr>
+        <p:style>
+          <a:lnRef idx="2">
+            <a:schemeClr val="accent1">
+              <a:shade val="50000"/>
+            </a:schemeClr>
+          </a:lnRef>
+          <a:fillRef idx="1">
+            <a:schemeClr val="accent1"/>
+          </a:fillRef>
+          <a:effectRef idx="0">
+            <a:schemeClr val="accent1"/>
+          </a:effectRef>
+          <a:fontRef idx="minor">
+            <a:schemeClr val="lt1"/>
+          </a:fontRef>
+        </p:style>
+        <p:txBody>
+          <a:bodyPr rtlCol="0" anchor="ctr"/>
+          <a:lstStyle/>
+          <a:p>
+            <a:pPr algn="ctr"/>
+            <a:endParaRPr lang="pt-BR"/>
+          </a:p>
+        </p:txBody>
+      </p:sp>
     </p:spTree>
     <p:extLst>
       <p:ext uri="{BB962C8B-B14F-4D97-AF65-F5344CB8AC3E}">
@@ -4084,13 +4140,6 @@
   <p:clrMapOvr>
     <a:masterClrMapping/>
   </p:clrMapOvr>
-  <p:timing>
-    <p:tnLst>
-      <p:par>
-        <p:cTn id="1" dur="indefinite" restart="never" nodeType="tmRoot"/>
-      </p:par>
-    </p:tnLst>
-  </p:timing>
 </p:sld>
 </file>
 

--- a/Apresentação1.pptx
+++ b/Apresentação1.pptx
@@ -241,7 +241,7 @@
           <a:p>
             <a:fld id="{12FC2063-D415-4033-A736-D4A7E5F77491}" type="datetimeFigureOut">
               <a:rPr lang="pt-BR" smtClean="0"/>
-              <a:t>08/10/2019</a:t>
+              <a:t>10/10/2019</a:t>
             </a:fld>
             <a:endParaRPr lang="pt-BR"/>
           </a:p>
@@ -409,7 +409,7 @@
           <a:p>
             <a:fld id="{12FC2063-D415-4033-A736-D4A7E5F77491}" type="datetimeFigureOut">
               <a:rPr lang="pt-BR" smtClean="0"/>
-              <a:t>08/10/2019</a:t>
+              <a:t>10/10/2019</a:t>
             </a:fld>
             <a:endParaRPr lang="pt-BR"/>
           </a:p>
@@ -587,7 +587,7 @@
           <a:p>
             <a:fld id="{12FC2063-D415-4033-A736-D4A7E5F77491}" type="datetimeFigureOut">
               <a:rPr lang="pt-BR" smtClean="0"/>
-              <a:t>08/10/2019</a:t>
+              <a:t>10/10/2019</a:t>
             </a:fld>
             <a:endParaRPr lang="pt-BR"/>
           </a:p>
@@ -755,7 +755,7 @@
           <a:p>
             <a:fld id="{12FC2063-D415-4033-A736-D4A7E5F77491}" type="datetimeFigureOut">
               <a:rPr lang="pt-BR" smtClean="0"/>
-              <a:t>08/10/2019</a:t>
+              <a:t>10/10/2019</a:t>
             </a:fld>
             <a:endParaRPr lang="pt-BR"/>
           </a:p>
@@ -1000,7 +1000,7 @@
           <a:p>
             <a:fld id="{12FC2063-D415-4033-A736-D4A7E5F77491}" type="datetimeFigureOut">
               <a:rPr lang="pt-BR" smtClean="0"/>
-              <a:t>08/10/2019</a:t>
+              <a:t>10/10/2019</a:t>
             </a:fld>
             <a:endParaRPr lang="pt-BR"/>
           </a:p>
@@ -1229,7 +1229,7 @@
           <a:p>
             <a:fld id="{12FC2063-D415-4033-A736-D4A7E5F77491}" type="datetimeFigureOut">
               <a:rPr lang="pt-BR" smtClean="0"/>
-              <a:t>08/10/2019</a:t>
+              <a:t>10/10/2019</a:t>
             </a:fld>
             <a:endParaRPr lang="pt-BR"/>
           </a:p>
@@ -1593,7 +1593,7 @@
           <a:p>
             <a:fld id="{12FC2063-D415-4033-A736-D4A7E5F77491}" type="datetimeFigureOut">
               <a:rPr lang="pt-BR" smtClean="0"/>
-              <a:t>08/10/2019</a:t>
+              <a:t>10/10/2019</a:t>
             </a:fld>
             <a:endParaRPr lang="pt-BR"/>
           </a:p>
@@ -1710,7 +1710,7 @@
           <a:p>
             <a:fld id="{12FC2063-D415-4033-A736-D4A7E5F77491}" type="datetimeFigureOut">
               <a:rPr lang="pt-BR" smtClean="0"/>
-              <a:t>08/10/2019</a:t>
+              <a:t>10/10/2019</a:t>
             </a:fld>
             <a:endParaRPr lang="pt-BR"/>
           </a:p>
@@ -1805,7 +1805,7 @@
           <a:p>
             <a:fld id="{12FC2063-D415-4033-A736-D4A7E5F77491}" type="datetimeFigureOut">
               <a:rPr lang="pt-BR" smtClean="0"/>
-              <a:t>08/10/2019</a:t>
+              <a:t>10/10/2019</a:t>
             </a:fld>
             <a:endParaRPr lang="pt-BR"/>
           </a:p>
@@ -2080,7 +2080,7 @@
           <a:p>
             <a:fld id="{12FC2063-D415-4033-A736-D4A7E5F77491}" type="datetimeFigureOut">
               <a:rPr lang="pt-BR" smtClean="0"/>
-              <a:t>08/10/2019</a:t>
+              <a:t>10/10/2019</a:t>
             </a:fld>
             <a:endParaRPr lang="pt-BR"/>
           </a:p>
@@ -2332,7 +2332,7 @@
           <a:p>
             <a:fld id="{12FC2063-D415-4033-A736-D4A7E5F77491}" type="datetimeFigureOut">
               <a:rPr lang="pt-BR" smtClean="0"/>
-              <a:t>08/10/2019</a:t>
+              <a:t>10/10/2019</a:t>
             </a:fld>
             <a:endParaRPr lang="pt-BR"/>
           </a:p>
@@ -2543,7 +2543,7 @@
           <a:p>
             <a:fld id="{12FC2063-D415-4033-A736-D4A7E5F77491}" type="datetimeFigureOut">
               <a:rPr lang="pt-BR" smtClean="0"/>
-              <a:t>08/10/2019</a:t>
+              <a:t>10/10/2019</a:t>
             </a:fld>
             <a:endParaRPr lang="pt-BR"/>
           </a:p>
@@ -2948,1188 +2948,1256 @@
           <a:chExt cx="0" cy="0"/>
         </a:xfrm>
       </p:grpSpPr>
-      <p:cxnSp>
-        <p:nvCxnSpPr>
-          <p:cNvPr id="5" name="Conector de Seta Reta 4"/>
-          <p:cNvCxnSpPr/>
-          <p:nvPr/>
-        </p:nvCxnSpPr>
-        <p:spPr>
-          <a:xfrm>
-            <a:off x="2651760" y="1383906"/>
-            <a:ext cx="705395" cy="0"/>
-          </a:xfrm>
-          <a:prstGeom prst="straightConnector1">
-            <a:avLst/>
-          </a:prstGeom>
-          <a:ln>
-            <a:tailEnd type="triangle"/>
-          </a:ln>
-        </p:spPr>
-        <p:style>
-          <a:lnRef idx="3">
-            <a:schemeClr val="dk1"/>
-          </a:lnRef>
-          <a:fillRef idx="0">
-            <a:schemeClr val="dk1"/>
-          </a:fillRef>
-          <a:effectRef idx="2">
-            <a:schemeClr val="dk1"/>
-          </a:effectRef>
-          <a:fontRef idx="minor">
-            <a:schemeClr val="tx1"/>
-          </a:fontRef>
-        </p:style>
-      </p:cxnSp>
-      <p:sp>
-        <p:nvSpPr>
-          <p:cNvPr id="7" name="Retângulo 6"/>
-          <p:cNvSpPr/>
-          <p:nvPr/>
-        </p:nvSpPr>
-        <p:spPr>
-          <a:xfrm>
-            <a:off x="3357155" y="1174900"/>
-            <a:ext cx="757645" cy="418012"/>
-          </a:xfrm>
-          <a:prstGeom prst="rect">
-            <a:avLst/>
-          </a:prstGeom>
-        </p:spPr>
-        <p:style>
-          <a:lnRef idx="2">
-            <a:schemeClr val="dk1"/>
-          </a:lnRef>
-          <a:fillRef idx="1">
-            <a:schemeClr val="lt1"/>
-          </a:fillRef>
-          <a:effectRef idx="0">
-            <a:schemeClr val="dk1"/>
-          </a:effectRef>
-          <a:fontRef idx="minor">
-            <a:schemeClr val="dk1"/>
-          </a:fontRef>
-        </p:style>
-        <p:txBody>
-          <a:bodyPr rtlCol="0" anchor="ctr"/>
-          <a:lstStyle/>
-          <a:p>
-            <a:pPr algn="ctr"/>
-            <a:endParaRPr lang="pt-BR"/>
-          </a:p>
-        </p:txBody>
-      </p:sp>
-      <p:sp>
-        <p:nvSpPr>
-          <p:cNvPr id="8" name="Retângulo 7"/>
-          <p:cNvSpPr/>
-          <p:nvPr/>
-        </p:nvSpPr>
-        <p:spPr>
-          <a:xfrm>
-            <a:off x="3540035" y="1174900"/>
-            <a:ext cx="391885" cy="418012"/>
-          </a:xfrm>
-          <a:prstGeom prst="rect">
-            <a:avLst/>
-          </a:prstGeom>
-        </p:spPr>
-        <p:style>
-          <a:lnRef idx="2">
-            <a:schemeClr val="dk1"/>
-          </a:lnRef>
-          <a:fillRef idx="1">
-            <a:schemeClr val="lt1"/>
-          </a:fillRef>
-          <a:effectRef idx="0">
-            <a:schemeClr val="dk1"/>
-          </a:effectRef>
-          <a:fontRef idx="minor">
-            <a:schemeClr val="dk1"/>
-          </a:fontRef>
-        </p:style>
-        <p:txBody>
-          <a:bodyPr rtlCol="0" anchor="ctr"/>
-          <a:lstStyle/>
-          <a:p>
-            <a:pPr algn="ctr"/>
-            <a:endParaRPr lang="pt-BR"/>
-          </a:p>
-        </p:txBody>
-      </p:sp>
-      <p:cxnSp>
-        <p:nvCxnSpPr>
-          <p:cNvPr id="10" name="Conector reto 9"/>
-          <p:cNvCxnSpPr>
-            <a:stCxn id="8" idx="0"/>
-            <a:endCxn id="8" idx="2"/>
-          </p:cNvCxnSpPr>
-          <p:nvPr/>
-        </p:nvCxnSpPr>
-        <p:spPr>
-          <a:xfrm>
-            <a:off x="3735978" y="1174900"/>
-            <a:ext cx="0" cy="418012"/>
-          </a:xfrm>
-          <a:prstGeom prst="line">
-            <a:avLst/>
-          </a:prstGeom>
-        </p:spPr>
-        <p:style>
-          <a:lnRef idx="3">
-            <a:schemeClr val="dk1"/>
-          </a:lnRef>
-          <a:fillRef idx="0">
-            <a:schemeClr val="dk1"/>
-          </a:fillRef>
-          <a:effectRef idx="2">
-            <a:schemeClr val="dk1"/>
-          </a:effectRef>
-          <a:fontRef idx="minor">
-            <a:schemeClr val="tx1"/>
-          </a:fontRef>
-        </p:style>
-      </p:cxnSp>
-      <p:sp>
-        <p:nvSpPr>
-          <p:cNvPr id="11" name="Elipse 10"/>
-          <p:cNvSpPr/>
-          <p:nvPr/>
-        </p:nvSpPr>
-        <p:spPr>
-          <a:xfrm>
-            <a:off x="4114800" y="1109587"/>
-            <a:ext cx="548640" cy="535577"/>
-          </a:xfrm>
-          <a:prstGeom prst="ellipse">
-            <a:avLst/>
-          </a:prstGeom>
-        </p:spPr>
-        <p:style>
-          <a:lnRef idx="2">
-            <a:schemeClr val="dk1"/>
-          </a:lnRef>
-          <a:fillRef idx="1">
-            <a:schemeClr val="lt1"/>
-          </a:fillRef>
-          <a:effectRef idx="0">
-            <a:schemeClr val="dk1"/>
-          </a:effectRef>
-          <a:fontRef idx="minor">
-            <a:schemeClr val="dk1"/>
-          </a:fontRef>
-        </p:style>
-        <p:txBody>
-          <a:bodyPr rtlCol="0" anchor="ctr"/>
-          <a:lstStyle/>
-          <a:p>
-            <a:pPr algn="ctr"/>
-            <a:endParaRPr lang="pt-BR"/>
-          </a:p>
-        </p:txBody>
-      </p:sp>
       <p:grpSp>
         <p:nvGrpSpPr>
-          <p:cNvPr id="13" name="Agrupar 12"/>
+          <p:cNvPr id="4" name="Agrupar 3"/>
           <p:cNvGrpSpPr/>
           <p:nvPr/>
         </p:nvGrpSpPr>
         <p:grpSpPr>
           <a:xfrm>
-            <a:off x="4824550" y="1116116"/>
-            <a:ext cx="2011680" cy="535577"/>
-            <a:chOff x="2978331" y="1645921"/>
-            <a:chExt cx="2011680" cy="535577"/>
+            <a:off x="2588623" y="260194"/>
+            <a:ext cx="7029997" cy="1554786"/>
+            <a:chOff x="2588623" y="260194"/>
+            <a:chExt cx="7029997" cy="1554786"/>
           </a:xfrm>
         </p:grpSpPr>
-        <p:cxnSp>
-          <p:nvCxnSpPr>
-            <p:cNvPr id="14" name="Conector de Seta Reta 13"/>
-            <p:cNvCxnSpPr/>
+        <p:grpSp>
+          <p:nvGrpSpPr>
+            <p:cNvPr id="3" name="Agrupar 2"/>
+            <p:cNvGrpSpPr/>
             <p:nvPr/>
-          </p:nvCxnSpPr>
-          <p:spPr>
+          </p:nvGrpSpPr>
+          <p:grpSpPr>
             <a:xfrm>
-              <a:off x="2978331" y="1920240"/>
-              <a:ext cx="705395" cy="0"/>
+              <a:off x="2588623" y="260194"/>
+              <a:ext cx="6416042" cy="1554786"/>
+              <a:chOff x="2588623" y="260194"/>
+              <a:chExt cx="6416042" cy="1554786"/>
             </a:xfrm>
-            <a:prstGeom prst="straightConnector1">
-              <a:avLst/>
-            </a:prstGeom>
-            <a:ln>
-              <a:tailEnd type="triangle"/>
-            </a:ln>
-          </p:spPr>
-          <p:style>
-            <a:lnRef idx="3">
-              <a:schemeClr val="dk1"/>
-            </a:lnRef>
-            <a:fillRef idx="0">
-              <a:schemeClr val="dk1"/>
-            </a:fillRef>
-            <a:effectRef idx="2">
-              <a:schemeClr val="dk1"/>
-            </a:effectRef>
-            <a:fontRef idx="minor">
-              <a:schemeClr val="tx1"/>
-            </a:fontRef>
-          </p:style>
-        </p:cxnSp>
+          </p:grpSpPr>
+          <p:cxnSp>
+            <p:nvCxnSpPr>
+              <p:cNvPr id="5" name="Conector de Seta Reta 4"/>
+              <p:cNvCxnSpPr/>
+              <p:nvPr/>
+            </p:nvCxnSpPr>
+            <p:spPr>
+              <a:xfrm>
+                <a:off x="2651760" y="1383906"/>
+                <a:ext cx="705395" cy="0"/>
+              </a:xfrm>
+              <a:prstGeom prst="straightConnector1">
+                <a:avLst/>
+              </a:prstGeom>
+              <a:ln>
+                <a:tailEnd type="triangle"/>
+              </a:ln>
+            </p:spPr>
+            <p:style>
+              <a:lnRef idx="3">
+                <a:schemeClr val="dk1"/>
+              </a:lnRef>
+              <a:fillRef idx="0">
+                <a:schemeClr val="dk1"/>
+              </a:fillRef>
+              <a:effectRef idx="2">
+                <a:schemeClr val="dk1"/>
+              </a:effectRef>
+              <a:fontRef idx="minor">
+                <a:schemeClr val="tx1"/>
+              </a:fontRef>
+            </p:style>
+          </p:cxnSp>
+          <p:sp>
+            <p:nvSpPr>
+              <p:cNvPr id="7" name="Retângulo 6"/>
+              <p:cNvSpPr/>
+              <p:nvPr/>
+            </p:nvSpPr>
+            <p:spPr>
+              <a:xfrm>
+                <a:off x="3357155" y="1174900"/>
+                <a:ext cx="757645" cy="418012"/>
+              </a:xfrm>
+              <a:prstGeom prst="rect">
+                <a:avLst/>
+              </a:prstGeom>
+            </p:spPr>
+            <p:style>
+              <a:lnRef idx="2">
+                <a:schemeClr val="dk1"/>
+              </a:lnRef>
+              <a:fillRef idx="1">
+                <a:schemeClr val="lt1"/>
+              </a:fillRef>
+              <a:effectRef idx="0">
+                <a:schemeClr val="dk1"/>
+              </a:effectRef>
+              <a:fontRef idx="minor">
+                <a:schemeClr val="dk1"/>
+              </a:fontRef>
+            </p:style>
+            <p:txBody>
+              <a:bodyPr rtlCol="0" anchor="ctr"/>
+              <a:lstStyle/>
+              <a:p>
+                <a:pPr algn="ctr"/>
+                <a:endParaRPr lang="pt-BR"/>
+              </a:p>
+            </p:txBody>
+          </p:sp>
+          <p:sp>
+            <p:nvSpPr>
+              <p:cNvPr id="8" name="Retângulo 7"/>
+              <p:cNvSpPr/>
+              <p:nvPr/>
+            </p:nvSpPr>
+            <p:spPr>
+              <a:xfrm>
+                <a:off x="3540035" y="1174900"/>
+                <a:ext cx="391885" cy="418012"/>
+              </a:xfrm>
+              <a:prstGeom prst="rect">
+                <a:avLst/>
+              </a:prstGeom>
+            </p:spPr>
+            <p:style>
+              <a:lnRef idx="2">
+                <a:schemeClr val="dk1"/>
+              </a:lnRef>
+              <a:fillRef idx="1">
+                <a:schemeClr val="lt1"/>
+              </a:fillRef>
+              <a:effectRef idx="0">
+                <a:schemeClr val="dk1"/>
+              </a:effectRef>
+              <a:fontRef idx="minor">
+                <a:schemeClr val="dk1"/>
+              </a:fontRef>
+            </p:style>
+            <p:txBody>
+              <a:bodyPr rtlCol="0" anchor="ctr"/>
+              <a:lstStyle/>
+              <a:p>
+                <a:pPr algn="ctr"/>
+                <a:endParaRPr lang="pt-BR"/>
+              </a:p>
+            </p:txBody>
+          </p:sp>
+          <p:cxnSp>
+            <p:nvCxnSpPr>
+              <p:cNvPr id="10" name="Conector reto 9"/>
+              <p:cNvCxnSpPr>
+                <a:stCxn id="8" idx="0"/>
+                <a:endCxn id="8" idx="2"/>
+              </p:cNvCxnSpPr>
+              <p:nvPr/>
+            </p:nvCxnSpPr>
+            <p:spPr>
+              <a:xfrm>
+                <a:off x="3735978" y="1174900"/>
+                <a:ext cx="0" cy="418012"/>
+              </a:xfrm>
+              <a:prstGeom prst="line">
+                <a:avLst/>
+              </a:prstGeom>
+            </p:spPr>
+            <p:style>
+              <a:lnRef idx="3">
+                <a:schemeClr val="dk1"/>
+              </a:lnRef>
+              <a:fillRef idx="0">
+                <a:schemeClr val="dk1"/>
+              </a:fillRef>
+              <a:effectRef idx="2">
+                <a:schemeClr val="dk1"/>
+              </a:effectRef>
+              <a:fontRef idx="minor">
+                <a:schemeClr val="tx1"/>
+              </a:fontRef>
+            </p:style>
+          </p:cxnSp>
+          <p:sp>
+            <p:nvSpPr>
+              <p:cNvPr id="11" name="Elipse 10"/>
+              <p:cNvSpPr/>
+              <p:nvPr/>
+            </p:nvSpPr>
+            <p:spPr>
+              <a:xfrm>
+                <a:off x="4114800" y="1109587"/>
+                <a:ext cx="548640" cy="535577"/>
+              </a:xfrm>
+              <a:prstGeom prst="ellipse">
+                <a:avLst/>
+              </a:prstGeom>
+            </p:spPr>
+            <p:style>
+              <a:lnRef idx="2">
+                <a:schemeClr val="dk1"/>
+              </a:lnRef>
+              <a:fillRef idx="1">
+                <a:schemeClr val="lt1"/>
+              </a:fillRef>
+              <a:effectRef idx="0">
+                <a:schemeClr val="dk1"/>
+              </a:effectRef>
+              <a:fontRef idx="minor">
+                <a:schemeClr val="dk1"/>
+              </a:fontRef>
+            </p:style>
+            <p:txBody>
+              <a:bodyPr rtlCol="0" anchor="ctr"/>
+              <a:lstStyle/>
+              <a:p>
+                <a:pPr algn="ctr"/>
+                <a:endParaRPr lang="pt-BR"/>
+              </a:p>
+            </p:txBody>
+          </p:sp>
+          <p:grpSp>
+            <p:nvGrpSpPr>
+              <p:cNvPr id="13" name="Agrupar 12"/>
+              <p:cNvGrpSpPr/>
+              <p:nvPr/>
+            </p:nvGrpSpPr>
+            <p:grpSpPr>
+              <a:xfrm>
+                <a:off x="4824550" y="1116116"/>
+                <a:ext cx="2011680" cy="535577"/>
+                <a:chOff x="2978331" y="1645921"/>
+                <a:chExt cx="2011680" cy="535577"/>
+              </a:xfrm>
+            </p:grpSpPr>
+            <p:cxnSp>
+              <p:nvCxnSpPr>
+                <p:cNvPr id="14" name="Conector de Seta Reta 13"/>
+                <p:cNvCxnSpPr/>
+                <p:nvPr/>
+              </p:nvCxnSpPr>
+              <p:spPr>
+                <a:xfrm>
+                  <a:off x="2978331" y="1920240"/>
+                  <a:ext cx="705395" cy="0"/>
+                </a:xfrm>
+                <a:prstGeom prst="straightConnector1">
+                  <a:avLst/>
+                </a:prstGeom>
+                <a:ln>
+                  <a:tailEnd type="triangle"/>
+                </a:ln>
+              </p:spPr>
+              <p:style>
+                <a:lnRef idx="3">
+                  <a:schemeClr val="dk1"/>
+                </a:lnRef>
+                <a:fillRef idx="0">
+                  <a:schemeClr val="dk1"/>
+                </a:fillRef>
+                <a:effectRef idx="2">
+                  <a:schemeClr val="dk1"/>
+                </a:effectRef>
+                <a:fontRef idx="minor">
+                  <a:schemeClr val="tx1"/>
+                </a:fontRef>
+              </p:style>
+            </p:cxnSp>
+            <p:sp>
+              <p:nvSpPr>
+                <p:cNvPr id="15" name="Retângulo 14"/>
+                <p:cNvSpPr/>
+                <p:nvPr/>
+              </p:nvSpPr>
+              <p:spPr>
+                <a:xfrm>
+                  <a:off x="3683726" y="1711234"/>
+                  <a:ext cx="757645" cy="418012"/>
+                </a:xfrm>
+                <a:prstGeom prst="rect">
+                  <a:avLst/>
+                </a:prstGeom>
+              </p:spPr>
+              <p:style>
+                <a:lnRef idx="2">
+                  <a:schemeClr val="dk1"/>
+                </a:lnRef>
+                <a:fillRef idx="1">
+                  <a:schemeClr val="lt1"/>
+                </a:fillRef>
+                <a:effectRef idx="0">
+                  <a:schemeClr val="dk1"/>
+                </a:effectRef>
+                <a:fontRef idx="minor">
+                  <a:schemeClr val="dk1"/>
+                </a:fontRef>
+              </p:style>
+              <p:txBody>
+                <a:bodyPr rtlCol="0" anchor="ctr"/>
+                <a:lstStyle/>
+                <a:p>
+                  <a:pPr algn="ctr"/>
+                  <a:endParaRPr lang="pt-BR"/>
+                </a:p>
+              </p:txBody>
+            </p:sp>
+            <p:sp>
+              <p:nvSpPr>
+                <p:cNvPr id="16" name="Retângulo 15"/>
+                <p:cNvSpPr/>
+                <p:nvPr/>
+              </p:nvSpPr>
+              <p:spPr>
+                <a:xfrm>
+                  <a:off x="3866606" y="1711234"/>
+                  <a:ext cx="391885" cy="418012"/>
+                </a:xfrm>
+                <a:prstGeom prst="rect">
+                  <a:avLst/>
+                </a:prstGeom>
+              </p:spPr>
+              <p:style>
+                <a:lnRef idx="2">
+                  <a:schemeClr val="dk1"/>
+                </a:lnRef>
+                <a:fillRef idx="1">
+                  <a:schemeClr val="lt1"/>
+                </a:fillRef>
+                <a:effectRef idx="0">
+                  <a:schemeClr val="dk1"/>
+                </a:effectRef>
+                <a:fontRef idx="minor">
+                  <a:schemeClr val="dk1"/>
+                </a:fontRef>
+              </p:style>
+              <p:txBody>
+                <a:bodyPr rtlCol="0" anchor="ctr"/>
+                <a:lstStyle/>
+                <a:p>
+                  <a:pPr algn="ctr"/>
+                  <a:endParaRPr lang="pt-BR"/>
+                </a:p>
+              </p:txBody>
+            </p:sp>
+            <p:cxnSp>
+              <p:nvCxnSpPr>
+                <p:cNvPr id="17" name="Conector reto 16"/>
+                <p:cNvCxnSpPr>
+                  <a:stCxn id="16" idx="0"/>
+                  <a:endCxn id="16" idx="2"/>
+                </p:cNvCxnSpPr>
+                <p:nvPr/>
+              </p:nvCxnSpPr>
+              <p:spPr>
+                <a:xfrm>
+                  <a:off x="4062549" y="1711234"/>
+                  <a:ext cx="0" cy="418012"/>
+                </a:xfrm>
+                <a:prstGeom prst="line">
+                  <a:avLst/>
+                </a:prstGeom>
+              </p:spPr>
+              <p:style>
+                <a:lnRef idx="3">
+                  <a:schemeClr val="dk1"/>
+                </a:lnRef>
+                <a:fillRef idx="0">
+                  <a:schemeClr val="dk1"/>
+                </a:fillRef>
+                <a:effectRef idx="2">
+                  <a:schemeClr val="dk1"/>
+                </a:effectRef>
+                <a:fontRef idx="minor">
+                  <a:schemeClr val="tx1"/>
+                </a:fontRef>
+              </p:style>
+            </p:cxnSp>
+            <p:sp>
+              <p:nvSpPr>
+                <p:cNvPr id="18" name="Elipse 17"/>
+                <p:cNvSpPr/>
+                <p:nvPr/>
+              </p:nvSpPr>
+              <p:spPr>
+                <a:xfrm>
+                  <a:off x="4441371" y="1645921"/>
+                  <a:ext cx="548640" cy="535577"/>
+                </a:xfrm>
+                <a:prstGeom prst="ellipse">
+                  <a:avLst/>
+                </a:prstGeom>
+              </p:spPr>
+              <p:style>
+                <a:lnRef idx="2">
+                  <a:schemeClr val="dk1"/>
+                </a:lnRef>
+                <a:fillRef idx="1">
+                  <a:schemeClr val="lt1"/>
+                </a:fillRef>
+                <a:effectRef idx="0">
+                  <a:schemeClr val="dk1"/>
+                </a:effectRef>
+                <a:fontRef idx="minor">
+                  <a:schemeClr val="dk1"/>
+                </a:fontRef>
+              </p:style>
+              <p:txBody>
+                <a:bodyPr rtlCol="0" anchor="ctr"/>
+                <a:lstStyle/>
+                <a:p>
+                  <a:pPr algn="ctr"/>
+                  <a:endParaRPr lang="pt-BR"/>
+                </a:p>
+              </p:txBody>
+            </p:sp>
+          </p:grpSp>
+          <p:grpSp>
+            <p:nvGrpSpPr>
+              <p:cNvPr id="19" name="Agrupar 18"/>
+              <p:cNvGrpSpPr/>
+              <p:nvPr/>
+            </p:nvGrpSpPr>
+            <p:grpSpPr>
+              <a:xfrm>
+                <a:off x="6992985" y="1109586"/>
+                <a:ext cx="2011680" cy="535577"/>
+                <a:chOff x="2978331" y="1645921"/>
+                <a:chExt cx="2011680" cy="535577"/>
+              </a:xfrm>
+            </p:grpSpPr>
+            <p:cxnSp>
+              <p:nvCxnSpPr>
+                <p:cNvPr id="20" name="Conector de Seta Reta 19"/>
+                <p:cNvCxnSpPr/>
+                <p:nvPr/>
+              </p:nvCxnSpPr>
+              <p:spPr>
+                <a:xfrm>
+                  <a:off x="2978331" y="1920240"/>
+                  <a:ext cx="705395" cy="0"/>
+                </a:xfrm>
+                <a:prstGeom prst="straightConnector1">
+                  <a:avLst/>
+                </a:prstGeom>
+                <a:ln>
+                  <a:tailEnd type="triangle"/>
+                </a:ln>
+              </p:spPr>
+              <p:style>
+                <a:lnRef idx="3">
+                  <a:schemeClr val="dk1"/>
+                </a:lnRef>
+                <a:fillRef idx="0">
+                  <a:schemeClr val="dk1"/>
+                </a:fillRef>
+                <a:effectRef idx="2">
+                  <a:schemeClr val="dk1"/>
+                </a:effectRef>
+                <a:fontRef idx="minor">
+                  <a:schemeClr val="tx1"/>
+                </a:fontRef>
+              </p:style>
+            </p:cxnSp>
+            <p:sp>
+              <p:nvSpPr>
+                <p:cNvPr id="21" name="Retângulo 20"/>
+                <p:cNvSpPr/>
+                <p:nvPr/>
+              </p:nvSpPr>
+              <p:spPr>
+                <a:xfrm>
+                  <a:off x="3683726" y="1711234"/>
+                  <a:ext cx="757645" cy="418012"/>
+                </a:xfrm>
+                <a:prstGeom prst="rect">
+                  <a:avLst/>
+                </a:prstGeom>
+              </p:spPr>
+              <p:style>
+                <a:lnRef idx="2">
+                  <a:schemeClr val="dk1"/>
+                </a:lnRef>
+                <a:fillRef idx="1">
+                  <a:schemeClr val="lt1"/>
+                </a:fillRef>
+                <a:effectRef idx="0">
+                  <a:schemeClr val="dk1"/>
+                </a:effectRef>
+                <a:fontRef idx="minor">
+                  <a:schemeClr val="dk1"/>
+                </a:fontRef>
+              </p:style>
+              <p:txBody>
+                <a:bodyPr rtlCol="0" anchor="ctr"/>
+                <a:lstStyle/>
+                <a:p>
+                  <a:pPr algn="ctr"/>
+                  <a:endParaRPr lang="pt-BR"/>
+                </a:p>
+              </p:txBody>
+            </p:sp>
+            <p:sp>
+              <p:nvSpPr>
+                <p:cNvPr id="22" name="Retângulo 21"/>
+                <p:cNvSpPr/>
+                <p:nvPr/>
+              </p:nvSpPr>
+              <p:spPr>
+                <a:xfrm>
+                  <a:off x="3866606" y="1711234"/>
+                  <a:ext cx="391885" cy="418012"/>
+                </a:xfrm>
+                <a:prstGeom prst="rect">
+                  <a:avLst/>
+                </a:prstGeom>
+              </p:spPr>
+              <p:style>
+                <a:lnRef idx="2">
+                  <a:schemeClr val="dk1"/>
+                </a:lnRef>
+                <a:fillRef idx="1">
+                  <a:schemeClr val="lt1"/>
+                </a:fillRef>
+                <a:effectRef idx="0">
+                  <a:schemeClr val="dk1"/>
+                </a:effectRef>
+                <a:fontRef idx="minor">
+                  <a:schemeClr val="dk1"/>
+                </a:fontRef>
+              </p:style>
+              <p:txBody>
+                <a:bodyPr rtlCol="0" anchor="ctr"/>
+                <a:lstStyle/>
+                <a:p>
+                  <a:pPr algn="ctr"/>
+                  <a:endParaRPr lang="pt-BR"/>
+                </a:p>
+              </p:txBody>
+            </p:sp>
+            <p:cxnSp>
+              <p:nvCxnSpPr>
+                <p:cNvPr id="23" name="Conector reto 22"/>
+                <p:cNvCxnSpPr>
+                  <a:stCxn id="22" idx="0"/>
+                  <a:endCxn id="22" idx="2"/>
+                </p:cNvCxnSpPr>
+                <p:nvPr/>
+              </p:nvCxnSpPr>
+              <p:spPr>
+                <a:xfrm>
+                  <a:off x="4062549" y="1711234"/>
+                  <a:ext cx="0" cy="418012"/>
+                </a:xfrm>
+                <a:prstGeom prst="line">
+                  <a:avLst/>
+                </a:prstGeom>
+              </p:spPr>
+              <p:style>
+                <a:lnRef idx="3">
+                  <a:schemeClr val="dk1"/>
+                </a:lnRef>
+                <a:fillRef idx="0">
+                  <a:schemeClr val="dk1"/>
+                </a:fillRef>
+                <a:effectRef idx="2">
+                  <a:schemeClr val="dk1"/>
+                </a:effectRef>
+                <a:fontRef idx="minor">
+                  <a:schemeClr val="tx1"/>
+                </a:fontRef>
+              </p:style>
+            </p:cxnSp>
+            <p:sp>
+              <p:nvSpPr>
+                <p:cNvPr id="24" name="Elipse 23"/>
+                <p:cNvSpPr/>
+                <p:nvPr/>
+              </p:nvSpPr>
+              <p:spPr>
+                <a:xfrm>
+                  <a:off x="4441371" y="1645921"/>
+                  <a:ext cx="548640" cy="535577"/>
+                </a:xfrm>
+                <a:prstGeom prst="ellipse">
+                  <a:avLst/>
+                </a:prstGeom>
+              </p:spPr>
+              <p:style>
+                <a:lnRef idx="2">
+                  <a:schemeClr val="dk1"/>
+                </a:lnRef>
+                <a:fillRef idx="1">
+                  <a:schemeClr val="lt1"/>
+                </a:fillRef>
+                <a:effectRef idx="0">
+                  <a:schemeClr val="dk1"/>
+                </a:effectRef>
+                <a:fontRef idx="minor">
+                  <a:schemeClr val="dk1"/>
+                </a:fontRef>
+              </p:style>
+              <p:txBody>
+                <a:bodyPr rtlCol="0" anchor="ctr"/>
+                <a:lstStyle/>
+                <a:p>
+                  <a:pPr algn="ctr"/>
+                  <a:endParaRPr lang="pt-BR"/>
+                </a:p>
+              </p:txBody>
+            </p:sp>
+          </p:grpSp>
+          <p:cxnSp>
+            <p:nvCxnSpPr>
+              <p:cNvPr id="26" name="Conector Angulado 25"/>
+              <p:cNvCxnSpPr/>
+              <p:nvPr/>
+            </p:nvCxnSpPr>
+            <p:spPr>
+              <a:xfrm flipV="1">
+                <a:off x="4826726" y="622995"/>
+                <a:ext cx="681449" cy="581296"/>
+              </a:xfrm>
+              <a:prstGeom prst="bentConnector3">
+                <a:avLst/>
+              </a:prstGeom>
+              <a:ln>
+                <a:tailEnd type="triangle"/>
+              </a:ln>
+            </p:spPr>
+            <p:style>
+              <a:lnRef idx="3">
+                <a:schemeClr val="dk1"/>
+              </a:lnRef>
+              <a:fillRef idx="0">
+                <a:schemeClr val="dk1"/>
+              </a:fillRef>
+              <a:effectRef idx="2">
+                <a:schemeClr val="dk1"/>
+              </a:effectRef>
+              <a:fontRef idx="minor">
+                <a:schemeClr val="tx1"/>
+              </a:fontRef>
+            </p:style>
+          </p:cxnSp>
+          <p:cxnSp>
+            <p:nvCxnSpPr>
+              <p:cNvPr id="27" name="Conector Angulado 26"/>
+              <p:cNvCxnSpPr/>
+              <p:nvPr/>
+            </p:nvCxnSpPr>
+            <p:spPr>
+              <a:xfrm flipV="1">
+                <a:off x="6997340" y="622995"/>
+                <a:ext cx="637903" cy="581296"/>
+              </a:xfrm>
+              <a:prstGeom prst="bentConnector3">
+                <a:avLst/>
+              </a:prstGeom>
+              <a:ln>
+                <a:tailEnd type="triangle"/>
+              </a:ln>
+            </p:spPr>
+            <p:style>
+              <a:lnRef idx="3">
+                <a:schemeClr val="dk1"/>
+              </a:lnRef>
+              <a:fillRef idx="0">
+                <a:schemeClr val="dk1"/>
+              </a:fillRef>
+              <a:effectRef idx="2">
+                <a:schemeClr val="dk1"/>
+              </a:effectRef>
+              <a:fontRef idx="minor">
+                <a:schemeClr val="tx1"/>
+              </a:fontRef>
+            </p:style>
+          </p:cxnSp>
+          <p:sp>
+            <p:nvSpPr>
+              <p:cNvPr id="31" name="CaixaDeTexto 30"/>
+              <p:cNvSpPr txBox="1"/>
+              <p:nvPr/>
+            </p:nvSpPr>
+            <p:spPr>
+              <a:xfrm>
+                <a:off x="2730139" y="1445648"/>
+                <a:ext cx="613955" cy="369332"/>
+              </a:xfrm>
+              <a:prstGeom prst="rect">
+                <a:avLst/>
+              </a:prstGeom>
+              <a:noFill/>
+            </p:spPr>
+            <p:txBody>
+              <a:bodyPr wrap="square" rtlCol="0">
+                <a:spAutoFit/>
+              </a:bodyPr>
+              <a:lstStyle/>
+              <a:p>
+                <a:r>
+                  <a:rPr lang="pt-BR" b="1" dirty="0">
+                    <a:solidFill>
+                      <a:schemeClr val="accent5"/>
+                    </a:solidFill>
+                  </a:rPr>
+                  <a:t>CH1</a:t>
+                </a:r>
+              </a:p>
+            </p:txBody>
+          </p:sp>
+          <p:sp>
+            <p:nvSpPr>
+              <p:cNvPr id="32" name="CaixaDeTexto 31"/>
+              <p:cNvSpPr txBox="1"/>
+              <p:nvPr/>
+            </p:nvSpPr>
+            <p:spPr>
+              <a:xfrm>
+                <a:off x="4844145" y="1445648"/>
+                <a:ext cx="613955" cy="369332"/>
+              </a:xfrm>
+              <a:prstGeom prst="rect">
+                <a:avLst/>
+              </a:prstGeom>
+              <a:noFill/>
+            </p:spPr>
+            <p:txBody>
+              <a:bodyPr wrap="square" rtlCol="0">
+                <a:spAutoFit/>
+              </a:bodyPr>
+              <a:lstStyle/>
+              <a:p>
+                <a:r>
+                  <a:rPr lang="pt-BR" b="1" dirty="0">
+                    <a:solidFill>
+                      <a:schemeClr val="accent5"/>
+                    </a:solidFill>
+                  </a:rPr>
+                  <a:t>P12</a:t>
+                </a:r>
+              </a:p>
+            </p:txBody>
+          </p:sp>
+          <p:sp>
+            <p:nvSpPr>
+              <p:cNvPr id="33" name="CaixaDeTexto 32"/>
+              <p:cNvSpPr txBox="1"/>
+              <p:nvPr/>
+            </p:nvSpPr>
+            <p:spPr>
+              <a:xfrm>
+                <a:off x="7021288" y="1405286"/>
+                <a:ext cx="613955" cy="369332"/>
+              </a:xfrm>
+              <a:prstGeom prst="rect">
+                <a:avLst/>
+              </a:prstGeom>
+              <a:noFill/>
+            </p:spPr>
+            <p:txBody>
+              <a:bodyPr wrap="square" rtlCol="0">
+                <a:spAutoFit/>
+              </a:bodyPr>
+              <a:lstStyle/>
+              <a:p>
+                <a:r>
+                  <a:rPr lang="pt-BR" b="1" dirty="0">
+                    <a:solidFill>
+                      <a:schemeClr val="accent5"/>
+                    </a:solidFill>
+                  </a:rPr>
+                  <a:t>P23</a:t>
+                </a:r>
+              </a:p>
+            </p:txBody>
+          </p:sp>
+          <p:sp>
+            <p:nvSpPr>
+              <p:cNvPr id="34" name="CaixaDeTexto 33"/>
+              <p:cNvSpPr txBox="1"/>
+              <p:nvPr/>
+            </p:nvSpPr>
+            <p:spPr>
+              <a:xfrm>
+                <a:off x="7633065" y="443381"/>
+                <a:ext cx="613955" cy="369332"/>
+              </a:xfrm>
+              <a:prstGeom prst="rect">
+                <a:avLst/>
+              </a:prstGeom>
+              <a:noFill/>
+            </p:spPr>
+            <p:txBody>
+              <a:bodyPr wrap="square" rtlCol="0">
+                <a:spAutoFit/>
+              </a:bodyPr>
+              <a:lstStyle/>
+              <a:p>
+                <a:r>
+                  <a:rPr lang="pt-BR" b="1" dirty="0">
+                    <a:solidFill>
+                      <a:schemeClr val="accent5"/>
+                    </a:solidFill>
+                  </a:rPr>
+                  <a:t>SA2</a:t>
+                </a:r>
+              </a:p>
+            </p:txBody>
+          </p:sp>
+          <p:sp>
+            <p:nvSpPr>
+              <p:cNvPr id="35" name="CaixaDeTexto 34"/>
+              <p:cNvSpPr txBox="1"/>
+              <p:nvPr/>
+            </p:nvSpPr>
+            <p:spPr>
+              <a:xfrm>
+                <a:off x="5460277" y="417254"/>
+                <a:ext cx="613955" cy="369332"/>
+              </a:xfrm>
+              <a:prstGeom prst="rect">
+                <a:avLst/>
+              </a:prstGeom>
+              <a:noFill/>
+            </p:spPr>
+            <p:txBody>
+              <a:bodyPr wrap="square" rtlCol="0">
+                <a:spAutoFit/>
+              </a:bodyPr>
+              <a:lstStyle/>
+              <a:p>
+                <a:r>
+                  <a:rPr lang="pt-BR" b="1" dirty="0">
+                    <a:solidFill>
+                      <a:schemeClr val="accent5"/>
+                    </a:solidFill>
+                  </a:rPr>
+                  <a:t>SA1</a:t>
+                </a:r>
+              </a:p>
+            </p:txBody>
+          </p:sp>
+          <p:sp>
+            <p:nvSpPr>
+              <p:cNvPr id="37" name="CaixaDeTexto 36"/>
+              <p:cNvSpPr txBox="1"/>
+              <p:nvPr/>
+            </p:nvSpPr>
+            <p:spPr>
+              <a:xfrm>
+                <a:off x="2588623" y="812713"/>
+                <a:ext cx="888275" cy="369332"/>
+              </a:xfrm>
+              <a:prstGeom prst="rect">
+                <a:avLst/>
+              </a:prstGeom>
+              <a:noFill/>
+            </p:spPr>
+            <p:txBody>
+              <a:bodyPr wrap="square" rtlCol="0">
+                <a:spAutoFit/>
+              </a:bodyPr>
+              <a:lstStyle/>
+              <a:p>
+                <a:r>
+                  <a:rPr lang="pt-BR" dirty="0"/>
+                  <a:t>4..6 ut</a:t>
+                </a:r>
+              </a:p>
+            </p:txBody>
+          </p:sp>
+          <p:sp>
+            <p:nvSpPr>
+              <p:cNvPr id="38" name="CaixaDeTexto 37"/>
+              <p:cNvSpPr txBox="1"/>
+              <p:nvPr/>
+            </p:nvSpPr>
+            <p:spPr>
+              <a:xfrm>
+                <a:off x="4630787" y="260194"/>
+                <a:ext cx="973183" cy="369332"/>
+              </a:xfrm>
+              <a:prstGeom prst="rect">
+                <a:avLst/>
+              </a:prstGeom>
+              <a:noFill/>
+            </p:spPr>
+            <p:txBody>
+              <a:bodyPr wrap="square" rtlCol="0">
+                <a:spAutoFit/>
+              </a:bodyPr>
+              <a:lstStyle/>
+              <a:p>
+                <a:r>
+                  <a:rPr lang="pt-BR" dirty="0"/>
+                  <a:t>8..14 ut</a:t>
+                </a:r>
+              </a:p>
+            </p:txBody>
+          </p:sp>
+          <p:sp>
+            <p:nvSpPr>
+              <p:cNvPr id="39" name="CaixaDeTexto 38"/>
+              <p:cNvSpPr txBox="1"/>
+              <p:nvPr/>
+            </p:nvSpPr>
+            <p:spPr>
+              <a:xfrm>
+                <a:off x="6725197" y="260195"/>
+                <a:ext cx="973183" cy="369332"/>
+              </a:xfrm>
+              <a:prstGeom prst="rect">
+                <a:avLst/>
+              </a:prstGeom>
+              <a:noFill/>
+            </p:spPr>
+            <p:txBody>
+              <a:bodyPr wrap="square" rtlCol="0">
+                <a:spAutoFit/>
+              </a:bodyPr>
+              <a:lstStyle/>
+              <a:p>
+                <a:r>
+                  <a:rPr lang="pt-BR" dirty="0"/>
+                  <a:t>8..16 ut</a:t>
+                </a:r>
+              </a:p>
+            </p:txBody>
+          </p:sp>
+          <p:sp>
+            <p:nvSpPr>
+              <p:cNvPr id="41" name="CaixaDeTexto 40"/>
+              <p:cNvSpPr txBox="1"/>
+              <p:nvPr/>
+            </p:nvSpPr>
+            <p:spPr>
+              <a:xfrm>
+                <a:off x="5122820" y="1204291"/>
+                <a:ext cx="383180" cy="261257"/>
+              </a:xfrm>
+              <a:prstGeom prst="rect">
+                <a:avLst/>
+              </a:prstGeom>
+              <a:noFill/>
+            </p:spPr>
+            <p:txBody>
+              <a:bodyPr wrap="square" rtlCol="0">
+                <a:spAutoFit/>
+              </a:bodyPr>
+              <a:lstStyle/>
+              <a:p>
+                <a:r>
+                  <a:rPr lang="pt-BR" sz="1100" b="1" dirty="0">
+                    <a:solidFill>
+                      <a:schemeClr val="accent5"/>
+                    </a:solidFill>
+                  </a:rPr>
+                  <a:t>0,7</a:t>
+                </a:r>
+              </a:p>
+            </p:txBody>
+          </p:sp>
+          <p:sp>
+            <p:nvSpPr>
+              <p:cNvPr id="42" name="CaixaDeTexto 41"/>
+              <p:cNvSpPr txBox="1"/>
+              <p:nvPr/>
+            </p:nvSpPr>
+            <p:spPr>
+              <a:xfrm>
+                <a:off x="4819104" y="975995"/>
+                <a:ext cx="383180" cy="261257"/>
+              </a:xfrm>
+              <a:prstGeom prst="rect">
+                <a:avLst/>
+              </a:prstGeom>
+              <a:noFill/>
+            </p:spPr>
+            <p:txBody>
+              <a:bodyPr wrap="square" rtlCol="0">
+                <a:spAutoFit/>
+              </a:bodyPr>
+              <a:lstStyle/>
+              <a:p>
+                <a:r>
+                  <a:rPr lang="pt-BR" sz="1100" b="1" dirty="0">
+                    <a:solidFill>
+                      <a:schemeClr val="accent5"/>
+                    </a:solidFill>
+                  </a:rPr>
+                  <a:t>0,3</a:t>
+                </a:r>
+              </a:p>
+            </p:txBody>
+          </p:sp>
+          <p:sp>
+            <p:nvSpPr>
+              <p:cNvPr id="43" name="CaixaDeTexto 42"/>
+              <p:cNvSpPr txBox="1"/>
+              <p:nvPr/>
+            </p:nvSpPr>
+            <p:spPr>
+              <a:xfrm>
+                <a:off x="7284719" y="1174899"/>
+                <a:ext cx="383180" cy="261257"/>
+              </a:xfrm>
+              <a:prstGeom prst="rect">
+                <a:avLst/>
+              </a:prstGeom>
+              <a:noFill/>
+            </p:spPr>
+            <p:txBody>
+              <a:bodyPr wrap="square" rtlCol="0">
+                <a:spAutoFit/>
+              </a:bodyPr>
+              <a:lstStyle/>
+              <a:p>
+                <a:r>
+                  <a:rPr lang="pt-BR" sz="1100" b="1" dirty="0">
+                    <a:solidFill>
+                      <a:schemeClr val="accent5"/>
+                    </a:solidFill>
+                  </a:rPr>
+                  <a:t>0,5</a:t>
+                </a:r>
+              </a:p>
+            </p:txBody>
+          </p:sp>
+          <p:sp>
+            <p:nvSpPr>
+              <p:cNvPr id="44" name="CaixaDeTexto 43"/>
+              <p:cNvSpPr txBox="1"/>
+              <p:nvPr/>
+            </p:nvSpPr>
+            <p:spPr>
+              <a:xfrm>
+                <a:off x="6982102" y="975994"/>
+                <a:ext cx="383180" cy="261257"/>
+              </a:xfrm>
+              <a:prstGeom prst="rect">
+                <a:avLst/>
+              </a:prstGeom>
+              <a:noFill/>
+            </p:spPr>
+            <p:txBody>
+              <a:bodyPr wrap="square" rtlCol="0">
+                <a:spAutoFit/>
+              </a:bodyPr>
+              <a:lstStyle/>
+              <a:p>
+                <a:r>
+                  <a:rPr lang="pt-BR" sz="1100" b="1" dirty="0">
+                    <a:solidFill>
+                      <a:schemeClr val="accent5"/>
+                    </a:solidFill>
+                  </a:rPr>
+                  <a:t>0,5</a:t>
+                </a:r>
+              </a:p>
+            </p:txBody>
+          </p:sp>
+          <p:sp>
+            <p:nvSpPr>
+              <p:cNvPr id="2" name="Retângulo 1">
+                <a:extLst>
+                  <a:ext uri="{FF2B5EF4-FFF2-40B4-BE49-F238E27FC236}">
+                    <a16:creationId xmlns:a16="http://schemas.microsoft.com/office/drawing/2014/main" id="{1F151B3A-0B4D-416C-97C8-EDEEA721AE6F}"/>
+                  </a:ext>
+                </a:extLst>
+              </p:cNvPr>
+              <p:cNvSpPr/>
+              <p:nvPr/>
+            </p:nvSpPr>
+            <p:spPr>
+              <a:xfrm flipH="1">
+                <a:off x="3356747" y="1116115"/>
+                <a:ext cx="45719" cy="535577"/>
+              </a:xfrm>
+              <a:prstGeom prst="rect">
+                <a:avLst/>
+              </a:prstGeom>
+              <a:solidFill>
+                <a:schemeClr val="bg1"/>
+              </a:solidFill>
+              <a:ln>
+                <a:solidFill>
+                  <a:schemeClr val="bg1"/>
+                </a:solidFill>
+              </a:ln>
+            </p:spPr>
+            <p:style>
+              <a:lnRef idx="2">
+                <a:schemeClr val="accent1">
+                  <a:shade val="50000"/>
+                </a:schemeClr>
+              </a:lnRef>
+              <a:fillRef idx="1">
+                <a:schemeClr val="accent1"/>
+              </a:fillRef>
+              <a:effectRef idx="0">
+                <a:schemeClr val="accent1"/>
+              </a:effectRef>
+              <a:fontRef idx="minor">
+                <a:schemeClr val="lt1"/>
+              </a:fontRef>
+            </p:style>
+            <p:txBody>
+              <a:bodyPr rtlCol="0" anchor="ctr"/>
+              <a:lstStyle/>
+              <a:p>
+                <a:pPr algn="ctr"/>
+                <a:endParaRPr lang="pt-BR"/>
+              </a:p>
+            </p:txBody>
+          </p:sp>
+          <p:sp>
+            <p:nvSpPr>
+              <p:cNvPr id="36" name="Retângulo 35">
+                <a:extLst>
+                  <a:ext uri="{FF2B5EF4-FFF2-40B4-BE49-F238E27FC236}">
+                    <a16:creationId xmlns:a16="http://schemas.microsoft.com/office/drawing/2014/main" id="{70442282-3C17-4224-BF8B-6B57004741DB}"/>
+                  </a:ext>
+                </a:extLst>
+              </p:cNvPr>
+              <p:cNvSpPr/>
+              <p:nvPr/>
+            </p:nvSpPr>
+            <p:spPr>
+              <a:xfrm flipH="1">
+                <a:off x="5528459" y="1144677"/>
+                <a:ext cx="45719" cy="535577"/>
+              </a:xfrm>
+              <a:prstGeom prst="rect">
+                <a:avLst/>
+              </a:prstGeom>
+              <a:solidFill>
+                <a:schemeClr val="bg1"/>
+              </a:solidFill>
+              <a:ln>
+                <a:solidFill>
+                  <a:schemeClr val="bg1"/>
+                </a:solidFill>
+              </a:ln>
+            </p:spPr>
+            <p:style>
+              <a:lnRef idx="2">
+                <a:schemeClr val="accent1">
+                  <a:shade val="50000"/>
+                </a:schemeClr>
+              </a:lnRef>
+              <a:fillRef idx="1">
+                <a:schemeClr val="accent1"/>
+              </a:fillRef>
+              <a:effectRef idx="0">
+                <a:schemeClr val="accent1"/>
+              </a:effectRef>
+              <a:fontRef idx="minor">
+                <a:schemeClr val="lt1"/>
+              </a:fontRef>
+            </p:style>
+            <p:txBody>
+              <a:bodyPr rtlCol="0" anchor="ctr"/>
+              <a:lstStyle/>
+              <a:p>
+                <a:pPr algn="ctr"/>
+                <a:endParaRPr lang="pt-BR"/>
+              </a:p>
+            </p:txBody>
+          </p:sp>
+          <p:sp>
+            <p:nvSpPr>
+              <p:cNvPr id="40" name="Retângulo 39">
+                <a:extLst>
+                  <a:ext uri="{FF2B5EF4-FFF2-40B4-BE49-F238E27FC236}">
+                    <a16:creationId xmlns:a16="http://schemas.microsoft.com/office/drawing/2014/main" id="{DE3618A2-C2A9-4C57-ACB4-E592B7566D72}"/>
+                  </a:ext>
+                </a:extLst>
+              </p:cNvPr>
+              <p:cNvSpPr/>
+              <p:nvPr/>
+            </p:nvSpPr>
+            <p:spPr>
+              <a:xfrm flipH="1">
+                <a:off x="7695399" y="1158966"/>
+                <a:ext cx="45719" cy="535577"/>
+              </a:xfrm>
+              <a:prstGeom prst="rect">
+                <a:avLst/>
+              </a:prstGeom>
+              <a:solidFill>
+                <a:schemeClr val="bg1"/>
+              </a:solidFill>
+              <a:ln>
+                <a:solidFill>
+                  <a:schemeClr val="bg1"/>
+                </a:solidFill>
+              </a:ln>
+            </p:spPr>
+            <p:style>
+              <a:lnRef idx="2">
+                <a:schemeClr val="accent1">
+                  <a:shade val="50000"/>
+                </a:schemeClr>
+              </a:lnRef>
+              <a:fillRef idx="1">
+                <a:schemeClr val="accent1"/>
+              </a:fillRef>
+              <a:effectRef idx="0">
+                <a:schemeClr val="accent1"/>
+              </a:effectRef>
+              <a:fontRef idx="minor">
+                <a:schemeClr val="lt1"/>
+              </a:fontRef>
+            </p:style>
+            <p:txBody>
+              <a:bodyPr rtlCol="0" anchor="ctr"/>
+              <a:lstStyle/>
+              <a:p>
+                <a:pPr algn="ctr"/>
+                <a:endParaRPr lang="pt-BR"/>
+              </a:p>
+            </p:txBody>
+          </p:sp>
+        </p:grpSp>
         <p:sp>
           <p:nvSpPr>
-            <p:cNvPr id="15" name="Retângulo 14"/>
-            <p:cNvSpPr/>
+            <p:cNvPr id="45" name="CaixaDeTexto 44"/>
+            <p:cNvSpPr txBox="1"/>
             <p:nvPr/>
           </p:nvSpPr>
           <p:spPr>
             <a:xfrm>
-              <a:off x="3683726" y="1711234"/>
-              <a:ext cx="757645" cy="418012"/>
+              <a:off x="9004665" y="1158966"/>
+              <a:ext cx="613955" cy="369332"/>
             </a:xfrm>
             <a:prstGeom prst="rect">
               <a:avLst/>
             </a:prstGeom>
+            <a:noFill/>
           </p:spPr>
-          <p:style>
-            <a:lnRef idx="2">
-              <a:schemeClr val="dk1"/>
-            </a:lnRef>
-            <a:fillRef idx="1">
-              <a:schemeClr val="lt1"/>
-            </a:fillRef>
-            <a:effectRef idx="0">
-              <a:schemeClr val="dk1"/>
-            </a:effectRef>
-            <a:fontRef idx="minor">
-              <a:schemeClr val="dk1"/>
-            </a:fontRef>
-          </p:style>
           <p:txBody>
-            <a:bodyPr rtlCol="0" anchor="ctr"/>
+            <a:bodyPr wrap="square" rtlCol="0">
+              <a:spAutoFit/>
+            </a:bodyPr>
             <a:lstStyle/>
             <a:p>
-              <a:pPr algn="ctr"/>
-              <a:endParaRPr lang="pt-BR"/>
-            </a:p>
-          </p:txBody>
-        </p:sp>
-        <p:sp>
-          <p:nvSpPr>
-            <p:cNvPr id="16" name="Retângulo 15"/>
-            <p:cNvSpPr/>
-            <p:nvPr/>
-          </p:nvSpPr>
-          <p:spPr>
-            <a:xfrm>
-              <a:off x="3866606" y="1711234"/>
-              <a:ext cx="391885" cy="418012"/>
-            </a:xfrm>
-            <a:prstGeom prst="rect">
-              <a:avLst/>
-            </a:prstGeom>
-          </p:spPr>
-          <p:style>
-            <a:lnRef idx="2">
-              <a:schemeClr val="dk1"/>
-            </a:lnRef>
-            <a:fillRef idx="1">
-              <a:schemeClr val="lt1"/>
-            </a:fillRef>
-            <a:effectRef idx="0">
-              <a:schemeClr val="dk1"/>
-            </a:effectRef>
-            <a:fontRef idx="minor">
-              <a:schemeClr val="dk1"/>
-            </a:fontRef>
-          </p:style>
-          <p:txBody>
-            <a:bodyPr rtlCol="0" anchor="ctr"/>
-            <a:lstStyle/>
-            <a:p>
-              <a:pPr algn="ctr"/>
-              <a:endParaRPr lang="pt-BR"/>
-            </a:p>
-          </p:txBody>
-        </p:sp>
-        <p:cxnSp>
-          <p:nvCxnSpPr>
-            <p:cNvPr id="17" name="Conector reto 16"/>
-            <p:cNvCxnSpPr>
-              <a:stCxn id="16" idx="0"/>
-              <a:endCxn id="16" idx="2"/>
-            </p:cNvCxnSpPr>
-            <p:nvPr/>
-          </p:nvCxnSpPr>
-          <p:spPr>
-            <a:xfrm>
-              <a:off x="4062549" y="1711234"/>
-              <a:ext cx="0" cy="418012"/>
-            </a:xfrm>
-            <a:prstGeom prst="line">
-              <a:avLst/>
-            </a:prstGeom>
-          </p:spPr>
-          <p:style>
-            <a:lnRef idx="3">
-              <a:schemeClr val="dk1"/>
-            </a:lnRef>
-            <a:fillRef idx="0">
-              <a:schemeClr val="dk1"/>
-            </a:fillRef>
-            <a:effectRef idx="2">
-              <a:schemeClr val="dk1"/>
-            </a:effectRef>
-            <a:fontRef idx="minor">
-              <a:schemeClr val="tx1"/>
-            </a:fontRef>
-          </p:style>
-        </p:cxnSp>
-        <p:sp>
-          <p:nvSpPr>
-            <p:cNvPr id="18" name="Elipse 17"/>
-            <p:cNvSpPr/>
-            <p:nvPr/>
-          </p:nvSpPr>
-          <p:spPr>
-            <a:xfrm>
-              <a:off x="4441371" y="1645921"/>
-              <a:ext cx="548640" cy="535577"/>
-            </a:xfrm>
-            <a:prstGeom prst="ellipse">
-              <a:avLst/>
-            </a:prstGeom>
-          </p:spPr>
-          <p:style>
-            <a:lnRef idx="2">
-              <a:schemeClr val="dk1"/>
-            </a:lnRef>
-            <a:fillRef idx="1">
-              <a:schemeClr val="lt1"/>
-            </a:fillRef>
-            <a:effectRef idx="0">
-              <a:schemeClr val="dk1"/>
-            </a:effectRef>
-            <a:fontRef idx="minor">
-              <a:schemeClr val="dk1"/>
-            </a:fontRef>
-          </p:style>
-          <p:txBody>
-            <a:bodyPr rtlCol="0" anchor="ctr"/>
-            <a:lstStyle/>
-            <a:p>
-              <a:pPr algn="ctr"/>
-              <a:endParaRPr lang="pt-BR"/>
+              <a:r>
+                <a:rPr lang="pt-BR" b="1" dirty="0" smtClean="0">
+                  <a:solidFill>
+                    <a:schemeClr val="accent5"/>
+                  </a:solidFill>
+                </a:rPr>
+                <a:t>SA3</a:t>
+              </a:r>
+              <a:endParaRPr lang="pt-BR" b="1" dirty="0">
+                <a:solidFill>
+                  <a:schemeClr val="accent5"/>
+                </a:solidFill>
+              </a:endParaRPr>
             </a:p>
           </p:txBody>
         </p:sp>
       </p:grpSp>
-      <p:grpSp>
-        <p:nvGrpSpPr>
-          <p:cNvPr id="19" name="Agrupar 18"/>
-          <p:cNvGrpSpPr/>
-          <p:nvPr/>
-        </p:nvGrpSpPr>
-        <p:grpSpPr>
-          <a:xfrm>
-            <a:off x="6992985" y="1109586"/>
-            <a:ext cx="2011680" cy="535577"/>
-            <a:chOff x="2978331" y="1645921"/>
-            <a:chExt cx="2011680" cy="535577"/>
-          </a:xfrm>
-        </p:grpSpPr>
-        <p:cxnSp>
-          <p:nvCxnSpPr>
-            <p:cNvPr id="20" name="Conector de Seta Reta 19"/>
-            <p:cNvCxnSpPr/>
-            <p:nvPr/>
-          </p:nvCxnSpPr>
-          <p:spPr>
-            <a:xfrm>
-              <a:off x="2978331" y="1920240"/>
-              <a:ext cx="705395" cy="0"/>
-            </a:xfrm>
-            <a:prstGeom prst="straightConnector1">
-              <a:avLst/>
-            </a:prstGeom>
-            <a:ln>
-              <a:tailEnd type="triangle"/>
-            </a:ln>
-          </p:spPr>
-          <p:style>
-            <a:lnRef idx="3">
-              <a:schemeClr val="dk1"/>
-            </a:lnRef>
-            <a:fillRef idx="0">
-              <a:schemeClr val="dk1"/>
-            </a:fillRef>
-            <a:effectRef idx="2">
-              <a:schemeClr val="dk1"/>
-            </a:effectRef>
-            <a:fontRef idx="minor">
-              <a:schemeClr val="tx1"/>
-            </a:fontRef>
-          </p:style>
-        </p:cxnSp>
-        <p:sp>
-          <p:nvSpPr>
-            <p:cNvPr id="21" name="Retângulo 20"/>
-            <p:cNvSpPr/>
-            <p:nvPr/>
-          </p:nvSpPr>
-          <p:spPr>
-            <a:xfrm>
-              <a:off x="3683726" y="1711234"/>
-              <a:ext cx="757645" cy="418012"/>
-            </a:xfrm>
-            <a:prstGeom prst="rect">
-              <a:avLst/>
-            </a:prstGeom>
-          </p:spPr>
-          <p:style>
-            <a:lnRef idx="2">
-              <a:schemeClr val="dk1"/>
-            </a:lnRef>
-            <a:fillRef idx="1">
-              <a:schemeClr val="lt1"/>
-            </a:fillRef>
-            <a:effectRef idx="0">
-              <a:schemeClr val="dk1"/>
-            </a:effectRef>
-            <a:fontRef idx="minor">
-              <a:schemeClr val="dk1"/>
-            </a:fontRef>
-          </p:style>
-          <p:txBody>
-            <a:bodyPr rtlCol="0" anchor="ctr"/>
-            <a:lstStyle/>
-            <a:p>
-              <a:pPr algn="ctr"/>
-              <a:endParaRPr lang="pt-BR"/>
-            </a:p>
-          </p:txBody>
-        </p:sp>
-        <p:sp>
-          <p:nvSpPr>
-            <p:cNvPr id="22" name="Retângulo 21"/>
-            <p:cNvSpPr/>
-            <p:nvPr/>
-          </p:nvSpPr>
-          <p:spPr>
-            <a:xfrm>
-              <a:off x="3866606" y="1711234"/>
-              <a:ext cx="391885" cy="418012"/>
-            </a:xfrm>
-            <a:prstGeom prst="rect">
-              <a:avLst/>
-            </a:prstGeom>
-          </p:spPr>
-          <p:style>
-            <a:lnRef idx="2">
-              <a:schemeClr val="dk1"/>
-            </a:lnRef>
-            <a:fillRef idx="1">
-              <a:schemeClr val="lt1"/>
-            </a:fillRef>
-            <a:effectRef idx="0">
-              <a:schemeClr val="dk1"/>
-            </a:effectRef>
-            <a:fontRef idx="minor">
-              <a:schemeClr val="dk1"/>
-            </a:fontRef>
-          </p:style>
-          <p:txBody>
-            <a:bodyPr rtlCol="0" anchor="ctr"/>
-            <a:lstStyle/>
-            <a:p>
-              <a:pPr algn="ctr"/>
-              <a:endParaRPr lang="pt-BR"/>
-            </a:p>
-          </p:txBody>
-        </p:sp>
-        <p:cxnSp>
-          <p:nvCxnSpPr>
-            <p:cNvPr id="23" name="Conector reto 22"/>
-            <p:cNvCxnSpPr>
-              <a:stCxn id="22" idx="0"/>
-              <a:endCxn id="22" idx="2"/>
-            </p:cNvCxnSpPr>
-            <p:nvPr/>
-          </p:nvCxnSpPr>
-          <p:spPr>
-            <a:xfrm>
-              <a:off x="4062549" y="1711234"/>
-              <a:ext cx="0" cy="418012"/>
-            </a:xfrm>
-            <a:prstGeom prst="line">
-              <a:avLst/>
-            </a:prstGeom>
-          </p:spPr>
-          <p:style>
-            <a:lnRef idx="3">
-              <a:schemeClr val="dk1"/>
-            </a:lnRef>
-            <a:fillRef idx="0">
-              <a:schemeClr val="dk1"/>
-            </a:fillRef>
-            <a:effectRef idx="2">
-              <a:schemeClr val="dk1"/>
-            </a:effectRef>
-            <a:fontRef idx="minor">
-              <a:schemeClr val="tx1"/>
-            </a:fontRef>
-          </p:style>
-        </p:cxnSp>
-        <p:sp>
-          <p:nvSpPr>
-            <p:cNvPr id="24" name="Elipse 23"/>
-            <p:cNvSpPr/>
-            <p:nvPr/>
-          </p:nvSpPr>
-          <p:spPr>
-            <a:xfrm>
-              <a:off x="4441371" y="1645921"/>
-              <a:ext cx="548640" cy="535577"/>
-            </a:xfrm>
-            <a:prstGeom prst="ellipse">
-              <a:avLst/>
-            </a:prstGeom>
-          </p:spPr>
-          <p:style>
-            <a:lnRef idx="2">
-              <a:schemeClr val="dk1"/>
-            </a:lnRef>
-            <a:fillRef idx="1">
-              <a:schemeClr val="lt1"/>
-            </a:fillRef>
-            <a:effectRef idx="0">
-              <a:schemeClr val="dk1"/>
-            </a:effectRef>
-            <a:fontRef idx="minor">
-              <a:schemeClr val="dk1"/>
-            </a:fontRef>
-          </p:style>
-          <p:txBody>
-            <a:bodyPr rtlCol="0" anchor="ctr"/>
-            <a:lstStyle/>
-            <a:p>
-              <a:pPr algn="ctr"/>
-              <a:endParaRPr lang="pt-BR"/>
-            </a:p>
-          </p:txBody>
-        </p:sp>
-      </p:grpSp>
-      <p:cxnSp>
-        <p:nvCxnSpPr>
-          <p:cNvPr id="26" name="Conector Angulado 25"/>
-          <p:cNvCxnSpPr/>
-          <p:nvPr/>
-        </p:nvCxnSpPr>
-        <p:spPr>
-          <a:xfrm flipV="1">
-            <a:off x="4826726" y="622995"/>
-            <a:ext cx="681449" cy="581296"/>
-          </a:xfrm>
-          <a:prstGeom prst="bentConnector3">
-            <a:avLst/>
-          </a:prstGeom>
-          <a:ln>
-            <a:tailEnd type="triangle"/>
-          </a:ln>
-        </p:spPr>
-        <p:style>
-          <a:lnRef idx="3">
-            <a:schemeClr val="dk1"/>
-          </a:lnRef>
-          <a:fillRef idx="0">
-            <a:schemeClr val="dk1"/>
-          </a:fillRef>
-          <a:effectRef idx="2">
-            <a:schemeClr val="dk1"/>
-          </a:effectRef>
-          <a:fontRef idx="minor">
-            <a:schemeClr val="tx1"/>
-          </a:fontRef>
-        </p:style>
-      </p:cxnSp>
-      <p:cxnSp>
-        <p:nvCxnSpPr>
-          <p:cNvPr id="27" name="Conector Angulado 26"/>
-          <p:cNvCxnSpPr/>
-          <p:nvPr/>
-        </p:nvCxnSpPr>
-        <p:spPr>
-          <a:xfrm flipV="1">
-            <a:off x="6997340" y="622995"/>
-            <a:ext cx="637903" cy="581296"/>
-          </a:xfrm>
-          <a:prstGeom prst="bentConnector3">
-            <a:avLst/>
-          </a:prstGeom>
-          <a:ln>
-            <a:tailEnd type="triangle"/>
-          </a:ln>
-        </p:spPr>
-        <p:style>
-          <a:lnRef idx="3">
-            <a:schemeClr val="dk1"/>
-          </a:lnRef>
-          <a:fillRef idx="0">
-            <a:schemeClr val="dk1"/>
-          </a:fillRef>
-          <a:effectRef idx="2">
-            <a:schemeClr val="dk1"/>
-          </a:effectRef>
-          <a:fontRef idx="minor">
-            <a:schemeClr val="tx1"/>
-          </a:fontRef>
-        </p:style>
-      </p:cxnSp>
-      <p:sp>
-        <p:nvSpPr>
-          <p:cNvPr id="31" name="CaixaDeTexto 30"/>
-          <p:cNvSpPr txBox="1"/>
-          <p:nvPr/>
-        </p:nvSpPr>
-        <p:spPr>
-          <a:xfrm>
-            <a:off x="2730139" y="1445648"/>
-            <a:ext cx="613955" cy="369332"/>
-          </a:xfrm>
-          <a:prstGeom prst="rect">
-            <a:avLst/>
-          </a:prstGeom>
-          <a:noFill/>
-        </p:spPr>
-        <p:txBody>
-          <a:bodyPr wrap="square" rtlCol="0">
-            <a:spAutoFit/>
-          </a:bodyPr>
-          <a:lstStyle/>
-          <a:p>
-            <a:r>
-              <a:rPr lang="pt-BR" b="1" dirty="0">
-                <a:solidFill>
-                  <a:schemeClr val="accent5"/>
-                </a:solidFill>
-              </a:rPr>
-              <a:t>CH1</a:t>
-            </a:r>
-          </a:p>
-        </p:txBody>
-      </p:sp>
-      <p:sp>
-        <p:nvSpPr>
-          <p:cNvPr id="32" name="CaixaDeTexto 31"/>
-          <p:cNvSpPr txBox="1"/>
-          <p:nvPr/>
-        </p:nvSpPr>
-        <p:spPr>
-          <a:xfrm>
-            <a:off x="4844145" y="1445648"/>
-            <a:ext cx="613955" cy="369332"/>
-          </a:xfrm>
-          <a:prstGeom prst="rect">
-            <a:avLst/>
-          </a:prstGeom>
-          <a:noFill/>
-        </p:spPr>
-        <p:txBody>
-          <a:bodyPr wrap="square" rtlCol="0">
-            <a:spAutoFit/>
-          </a:bodyPr>
-          <a:lstStyle/>
-          <a:p>
-            <a:r>
-              <a:rPr lang="pt-BR" b="1" dirty="0">
-                <a:solidFill>
-                  <a:schemeClr val="accent5"/>
-                </a:solidFill>
-              </a:rPr>
-              <a:t>P12</a:t>
-            </a:r>
-          </a:p>
-        </p:txBody>
-      </p:sp>
-      <p:sp>
-        <p:nvSpPr>
-          <p:cNvPr id="33" name="CaixaDeTexto 32"/>
-          <p:cNvSpPr txBox="1"/>
-          <p:nvPr/>
-        </p:nvSpPr>
-        <p:spPr>
-          <a:xfrm>
-            <a:off x="7021288" y="1405286"/>
-            <a:ext cx="613955" cy="369332"/>
-          </a:xfrm>
-          <a:prstGeom prst="rect">
-            <a:avLst/>
-          </a:prstGeom>
-          <a:noFill/>
-        </p:spPr>
-        <p:txBody>
-          <a:bodyPr wrap="square" rtlCol="0">
-            <a:spAutoFit/>
-          </a:bodyPr>
-          <a:lstStyle/>
-          <a:p>
-            <a:r>
-              <a:rPr lang="pt-BR" b="1" dirty="0">
-                <a:solidFill>
-                  <a:schemeClr val="accent5"/>
-                </a:solidFill>
-              </a:rPr>
-              <a:t>P23</a:t>
-            </a:r>
-          </a:p>
-        </p:txBody>
-      </p:sp>
-      <p:sp>
-        <p:nvSpPr>
-          <p:cNvPr id="34" name="CaixaDeTexto 33"/>
-          <p:cNvSpPr txBox="1"/>
-          <p:nvPr/>
-        </p:nvSpPr>
-        <p:spPr>
-          <a:xfrm>
-            <a:off x="7633065" y="443381"/>
-            <a:ext cx="613955" cy="369332"/>
-          </a:xfrm>
-          <a:prstGeom prst="rect">
-            <a:avLst/>
-          </a:prstGeom>
-          <a:noFill/>
-        </p:spPr>
-        <p:txBody>
-          <a:bodyPr wrap="square" rtlCol="0">
-            <a:spAutoFit/>
-          </a:bodyPr>
-          <a:lstStyle/>
-          <a:p>
-            <a:r>
-              <a:rPr lang="pt-BR" b="1" dirty="0">
-                <a:solidFill>
-                  <a:schemeClr val="accent5"/>
-                </a:solidFill>
-              </a:rPr>
-              <a:t>SA2</a:t>
-            </a:r>
-          </a:p>
-        </p:txBody>
-      </p:sp>
-      <p:sp>
-        <p:nvSpPr>
-          <p:cNvPr id="35" name="CaixaDeTexto 34"/>
-          <p:cNvSpPr txBox="1"/>
-          <p:nvPr/>
-        </p:nvSpPr>
-        <p:spPr>
-          <a:xfrm>
-            <a:off x="5460277" y="417254"/>
-            <a:ext cx="613955" cy="369332"/>
-          </a:xfrm>
-          <a:prstGeom prst="rect">
-            <a:avLst/>
-          </a:prstGeom>
-          <a:noFill/>
-        </p:spPr>
-        <p:txBody>
-          <a:bodyPr wrap="square" rtlCol="0">
-            <a:spAutoFit/>
-          </a:bodyPr>
-          <a:lstStyle/>
-          <a:p>
-            <a:r>
-              <a:rPr lang="pt-BR" b="1" dirty="0">
-                <a:solidFill>
-                  <a:schemeClr val="accent5"/>
-                </a:solidFill>
-              </a:rPr>
-              <a:t>SA1</a:t>
-            </a:r>
-          </a:p>
-        </p:txBody>
-      </p:sp>
-      <p:sp>
-        <p:nvSpPr>
-          <p:cNvPr id="37" name="CaixaDeTexto 36"/>
-          <p:cNvSpPr txBox="1"/>
-          <p:nvPr/>
-        </p:nvSpPr>
-        <p:spPr>
-          <a:xfrm>
-            <a:off x="2588623" y="812713"/>
-            <a:ext cx="888275" cy="369332"/>
-          </a:xfrm>
-          <a:prstGeom prst="rect">
-            <a:avLst/>
-          </a:prstGeom>
-          <a:noFill/>
-        </p:spPr>
-        <p:txBody>
-          <a:bodyPr wrap="square" rtlCol="0">
-            <a:spAutoFit/>
-          </a:bodyPr>
-          <a:lstStyle/>
-          <a:p>
-            <a:r>
-              <a:rPr lang="pt-BR" dirty="0"/>
-              <a:t>4..6 ut</a:t>
-            </a:r>
-          </a:p>
-        </p:txBody>
-      </p:sp>
-      <p:sp>
-        <p:nvSpPr>
-          <p:cNvPr id="38" name="CaixaDeTexto 37"/>
-          <p:cNvSpPr txBox="1"/>
-          <p:nvPr/>
-        </p:nvSpPr>
-        <p:spPr>
-          <a:xfrm>
-            <a:off x="4630787" y="260194"/>
-            <a:ext cx="973183" cy="369332"/>
-          </a:xfrm>
-          <a:prstGeom prst="rect">
-            <a:avLst/>
-          </a:prstGeom>
-          <a:noFill/>
-        </p:spPr>
-        <p:txBody>
-          <a:bodyPr wrap="square" rtlCol="0">
-            <a:spAutoFit/>
-          </a:bodyPr>
-          <a:lstStyle/>
-          <a:p>
-            <a:r>
-              <a:rPr lang="pt-BR" dirty="0"/>
-              <a:t>8..14 ut</a:t>
-            </a:r>
-          </a:p>
-        </p:txBody>
-      </p:sp>
-      <p:sp>
-        <p:nvSpPr>
-          <p:cNvPr id="39" name="CaixaDeTexto 38"/>
-          <p:cNvSpPr txBox="1"/>
-          <p:nvPr/>
-        </p:nvSpPr>
-        <p:spPr>
-          <a:xfrm>
-            <a:off x="6725197" y="260195"/>
-            <a:ext cx="973183" cy="369332"/>
-          </a:xfrm>
-          <a:prstGeom prst="rect">
-            <a:avLst/>
-          </a:prstGeom>
-          <a:noFill/>
-        </p:spPr>
-        <p:txBody>
-          <a:bodyPr wrap="square" rtlCol="0">
-            <a:spAutoFit/>
-          </a:bodyPr>
-          <a:lstStyle/>
-          <a:p>
-            <a:r>
-              <a:rPr lang="pt-BR" dirty="0"/>
-              <a:t>8..16 ut</a:t>
-            </a:r>
-          </a:p>
-        </p:txBody>
-      </p:sp>
-      <p:sp>
-        <p:nvSpPr>
-          <p:cNvPr id="41" name="CaixaDeTexto 40"/>
-          <p:cNvSpPr txBox="1"/>
-          <p:nvPr/>
-        </p:nvSpPr>
-        <p:spPr>
-          <a:xfrm>
-            <a:off x="5122820" y="1204291"/>
-            <a:ext cx="383180" cy="261257"/>
-          </a:xfrm>
-          <a:prstGeom prst="rect">
-            <a:avLst/>
-          </a:prstGeom>
-          <a:noFill/>
-        </p:spPr>
-        <p:txBody>
-          <a:bodyPr wrap="square" rtlCol="0">
-            <a:spAutoFit/>
-          </a:bodyPr>
-          <a:lstStyle/>
-          <a:p>
-            <a:r>
-              <a:rPr lang="pt-BR" sz="1100" b="1" dirty="0">
-                <a:solidFill>
-                  <a:schemeClr val="accent5"/>
-                </a:solidFill>
-              </a:rPr>
-              <a:t>0,7</a:t>
-            </a:r>
-          </a:p>
-        </p:txBody>
-      </p:sp>
-      <p:sp>
-        <p:nvSpPr>
-          <p:cNvPr id="42" name="CaixaDeTexto 41"/>
-          <p:cNvSpPr txBox="1"/>
-          <p:nvPr/>
-        </p:nvSpPr>
-        <p:spPr>
-          <a:xfrm>
-            <a:off x="4819104" y="975995"/>
-            <a:ext cx="383180" cy="261257"/>
-          </a:xfrm>
-          <a:prstGeom prst="rect">
-            <a:avLst/>
-          </a:prstGeom>
-          <a:noFill/>
-        </p:spPr>
-        <p:txBody>
-          <a:bodyPr wrap="square" rtlCol="0">
-            <a:spAutoFit/>
-          </a:bodyPr>
-          <a:lstStyle/>
-          <a:p>
-            <a:r>
-              <a:rPr lang="pt-BR" sz="1100" b="1" dirty="0">
-                <a:solidFill>
-                  <a:schemeClr val="accent5"/>
-                </a:solidFill>
-              </a:rPr>
-              <a:t>0,3</a:t>
-            </a:r>
-          </a:p>
-        </p:txBody>
-      </p:sp>
-      <p:sp>
-        <p:nvSpPr>
-          <p:cNvPr id="43" name="CaixaDeTexto 42"/>
-          <p:cNvSpPr txBox="1"/>
-          <p:nvPr/>
-        </p:nvSpPr>
-        <p:spPr>
-          <a:xfrm>
-            <a:off x="7284719" y="1174899"/>
-            <a:ext cx="383180" cy="261257"/>
-          </a:xfrm>
-          <a:prstGeom prst="rect">
-            <a:avLst/>
-          </a:prstGeom>
-          <a:noFill/>
-        </p:spPr>
-        <p:txBody>
-          <a:bodyPr wrap="square" rtlCol="0">
-            <a:spAutoFit/>
-          </a:bodyPr>
-          <a:lstStyle/>
-          <a:p>
-            <a:r>
-              <a:rPr lang="pt-BR" sz="1100" b="1" dirty="0">
-                <a:solidFill>
-                  <a:schemeClr val="accent5"/>
-                </a:solidFill>
-              </a:rPr>
-              <a:t>0,5</a:t>
-            </a:r>
-          </a:p>
-        </p:txBody>
-      </p:sp>
-      <p:sp>
-        <p:nvSpPr>
-          <p:cNvPr id="44" name="CaixaDeTexto 43"/>
-          <p:cNvSpPr txBox="1"/>
-          <p:nvPr/>
-        </p:nvSpPr>
-        <p:spPr>
-          <a:xfrm>
-            <a:off x="6982102" y="975994"/>
-            <a:ext cx="383180" cy="261257"/>
-          </a:xfrm>
-          <a:prstGeom prst="rect">
-            <a:avLst/>
-          </a:prstGeom>
-          <a:noFill/>
-        </p:spPr>
-        <p:txBody>
-          <a:bodyPr wrap="square" rtlCol="0">
-            <a:spAutoFit/>
-          </a:bodyPr>
-          <a:lstStyle/>
-          <a:p>
-            <a:r>
-              <a:rPr lang="pt-BR" sz="1100" b="1" dirty="0">
-                <a:solidFill>
-                  <a:schemeClr val="accent5"/>
-                </a:solidFill>
-              </a:rPr>
-              <a:t>0,5</a:t>
-            </a:r>
-          </a:p>
-        </p:txBody>
-      </p:sp>
-      <p:sp>
-        <p:nvSpPr>
-          <p:cNvPr id="2" name="Retângulo 1">
-            <a:extLst>
-              <a:ext uri="{FF2B5EF4-FFF2-40B4-BE49-F238E27FC236}">
-                <a16:creationId xmlns:a16="http://schemas.microsoft.com/office/drawing/2014/main" id="{1F151B3A-0B4D-416C-97C8-EDEEA721AE6F}"/>
-              </a:ext>
-            </a:extLst>
-          </p:cNvPr>
-          <p:cNvSpPr/>
-          <p:nvPr/>
-        </p:nvSpPr>
-        <p:spPr>
-          <a:xfrm flipH="1">
-            <a:off x="3356747" y="1116115"/>
-            <a:ext cx="45719" cy="535577"/>
-          </a:xfrm>
-          <a:prstGeom prst="rect">
-            <a:avLst/>
-          </a:prstGeom>
-          <a:solidFill>
-            <a:schemeClr val="bg1"/>
-          </a:solidFill>
-          <a:ln>
-            <a:solidFill>
-              <a:schemeClr val="bg1"/>
-            </a:solidFill>
-          </a:ln>
-        </p:spPr>
-        <p:style>
-          <a:lnRef idx="2">
-            <a:schemeClr val="accent1">
-              <a:shade val="50000"/>
-            </a:schemeClr>
-          </a:lnRef>
-          <a:fillRef idx="1">
-            <a:schemeClr val="accent1"/>
-          </a:fillRef>
-          <a:effectRef idx="0">
-            <a:schemeClr val="accent1"/>
-          </a:effectRef>
-          <a:fontRef idx="minor">
-            <a:schemeClr val="lt1"/>
-          </a:fontRef>
-        </p:style>
-        <p:txBody>
-          <a:bodyPr rtlCol="0" anchor="ctr"/>
-          <a:lstStyle/>
-          <a:p>
-            <a:pPr algn="ctr"/>
-            <a:endParaRPr lang="pt-BR"/>
-          </a:p>
-        </p:txBody>
-      </p:sp>
-      <p:sp>
-        <p:nvSpPr>
-          <p:cNvPr id="36" name="Retângulo 35">
-            <a:extLst>
-              <a:ext uri="{FF2B5EF4-FFF2-40B4-BE49-F238E27FC236}">
-                <a16:creationId xmlns:a16="http://schemas.microsoft.com/office/drawing/2014/main" id="{70442282-3C17-4224-BF8B-6B57004741DB}"/>
-              </a:ext>
-            </a:extLst>
-          </p:cNvPr>
-          <p:cNvSpPr/>
-          <p:nvPr/>
-        </p:nvSpPr>
-        <p:spPr>
-          <a:xfrm flipH="1">
-            <a:off x="5528459" y="1144677"/>
-            <a:ext cx="45719" cy="535577"/>
-          </a:xfrm>
-          <a:prstGeom prst="rect">
-            <a:avLst/>
-          </a:prstGeom>
-          <a:solidFill>
-            <a:schemeClr val="bg1"/>
-          </a:solidFill>
-          <a:ln>
-            <a:solidFill>
-              <a:schemeClr val="bg1"/>
-            </a:solidFill>
-          </a:ln>
-        </p:spPr>
-        <p:style>
-          <a:lnRef idx="2">
-            <a:schemeClr val="accent1">
-              <a:shade val="50000"/>
-            </a:schemeClr>
-          </a:lnRef>
-          <a:fillRef idx="1">
-            <a:schemeClr val="accent1"/>
-          </a:fillRef>
-          <a:effectRef idx="0">
-            <a:schemeClr val="accent1"/>
-          </a:effectRef>
-          <a:fontRef idx="minor">
-            <a:schemeClr val="lt1"/>
-          </a:fontRef>
-        </p:style>
-        <p:txBody>
-          <a:bodyPr rtlCol="0" anchor="ctr"/>
-          <a:lstStyle/>
-          <a:p>
-            <a:pPr algn="ctr"/>
-            <a:endParaRPr lang="pt-BR"/>
-          </a:p>
-        </p:txBody>
-      </p:sp>
-      <p:sp>
-        <p:nvSpPr>
-          <p:cNvPr id="40" name="Retângulo 39">
-            <a:extLst>
-              <a:ext uri="{FF2B5EF4-FFF2-40B4-BE49-F238E27FC236}">
-                <a16:creationId xmlns:a16="http://schemas.microsoft.com/office/drawing/2014/main" id="{DE3618A2-C2A9-4C57-ACB4-E592B7566D72}"/>
-              </a:ext>
-            </a:extLst>
-          </p:cNvPr>
-          <p:cNvSpPr/>
-          <p:nvPr/>
-        </p:nvSpPr>
-        <p:spPr>
-          <a:xfrm flipH="1">
-            <a:off x="7695399" y="1158966"/>
-            <a:ext cx="45719" cy="535577"/>
-          </a:xfrm>
-          <a:prstGeom prst="rect">
-            <a:avLst/>
-          </a:prstGeom>
-          <a:solidFill>
-            <a:schemeClr val="bg1"/>
-          </a:solidFill>
-          <a:ln>
-            <a:solidFill>
-              <a:schemeClr val="bg1"/>
-            </a:solidFill>
-          </a:ln>
-        </p:spPr>
-        <p:style>
-          <a:lnRef idx="2">
-            <a:schemeClr val="accent1">
-              <a:shade val="50000"/>
-            </a:schemeClr>
-          </a:lnRef>
-          <a:fillRef idx="1">
-            <a:schemeClr val="accent1"/>
-          </a:fillRef>
-          <a:effectRef idx="0">
-            <a:schemeClr val="accent1"/>
-          </a:effectRef>
-          <a:fontRef idx="minor">
-            <a:schemeClr val="lt1"/>
-          </a:fontRef>
-        </p:style>
-        <p:txBody>
-          <a:bodyPr rtlCol="0" anchor="ctr"/>
-          <a:lstStyle/>
-          <a:p>
-            <a:pPr algn="ctr"/>
-            <a:endParaRPr lang="pt-BR"/>
-          </a:p>
-        </p:txBody>
-      </p:sp>
     </p:spTree>
     <p:extLst>
       <p:ext uri="{BB962C8B-B14F-4D97-AF65-F5344CB8AC3E}">
